--- a/Project/Graphics.pptx
+++ b/Project/Graphics.pptx
@@ -7,9 +7,11 @@
   <p:sldIdLst>
     <p:sldId id="256" r:id="rId2"/>
     <p:sldId id="257" r:id="rId3"/>
-    <p:sldId id="258" r:id="rId4"/>
-    <p:sldId id="259" r:id="rId5"/>
-    <p:sldId id="260" r:id="rId6"/>
+    <p:sldId id="261" r:id="rId4"/>
+    <p:sldId id="258" r:id="rId5"/>
+    <p:sldId id="262" r:id="rId6"/>
+    <p:sldId id="259" r:id="rId7"/>
+    <p:sldId id="260" r:id="rId8"/>
   </p:sldIdLst>
   <p:sldSz cx="12192000" cy="6858000"/>
   <p:notesSz cx="6858000" cy="9144000"/>
@@ -108,6 +110,11 @@
       </a:defRPr>
     </a:lvl9pPr>
   </p:defaultTextStyle>
+  <p:extLst>
+    <p:ext uri="{EFAFB233-063F-42B5-8137-9DF3F51BA10A}">
+      <p15:sldGuideLst xmlns:p15="http://schemas.microsoft.com/office/powerpoint/2012/main"/>
+    </p:ext>
+  </p:extLst>
 </p:presentation>
 </file>
 
@@ -258,7 +265,7 @@
           <a:p>
             <a:fld id="{E0C59285-2960-4270-9567-5CA6C799700B}" type="datetimeFigureOut">
               <a:rPr lang="en-US" smtClean="0"/>
-              <a:t>3/11/2021</a:t>
+              <a:t>3/18/2021</a:t>
             </a:fld>
             <a:endParaRPr lang="en-US"/>
           </a:p>
@@ -456,7 +463,7 @@
           <a:p>
             <a:fld id="{E0C59285-2960-4270-9567-5CA6C799700B}" type="datetimeFigureOut">
               <a:rPr lang="en-US" smtClean="0"/>
-              <a:t>3/11/2021</a:t>
+              <a:t>3/18/2021</a:t>
             </a:fld>
             <a:endParaRPr lang="en-US"/>
           </a:p>
@@ -664,7 +671,7 @@
           <a:p>
             <a:fld id="{E0C59285-2960-4270-9567-5CA6C799700B}" type="datetimeFigureOut">
               <a:rPr lang="en-US" smtClean="0"/>
-              <a:t>3/11/2021</a:t>
+              <a:t>3/18/2021</a:t>
             </a:fld>
             <a:endParaRPr lang="en-US"/>
           </a:p>
@@ -862,7 +869,7 @@
           <a:p>
             <a:fld id="{E0C59285-2960-4270-9567-5CA6C799700B}" type="datetimeFigureOut">
               <a:rPr lang="en-US" smtClean="0"/>
-              <a:t>3/11/2021</a:t>
+              <a:t>3/18/2021</a:t>
             </a:fld>
             <a:endParaRPr lang="en-US"/>
           </a:p>
@@ -1137,7 +1144,7 @@
           <a:p>
             <a:fld id="{E0C59285-2960-4270-9567-5CA6C799700B}" type="datetimeFigureOut">
               <a:rPr lang="en-US" smtClean="0"/>
-              <a:t>3/11/2021</a:t>
+              <a:t>3/18/2021</a:t>
             </a:fld>
             <a:endParaRPr lang="en-US"/>
           </a:p>
@@ -1402,7 +1409,7 @@
           <a:p>
             <a:fld id="{E0C59285-2960-4270-9567-5CA6C799700B}" type="datetimeFigureOut">
               <a:rPr lang="en-US" smtClean="0"/>
-              <a:t>3/11/2021</a:t>
+              <a:t>3/18/2021</a:t>
             </a:fld>
             <a:endParaRPr lang="en-US"/>
           </a:p>
@@ -1814,7 +1821,7 @@
           <a:p>
             <a:fld id="{E0C59285-2960-4270-9567-5CA6C799700B}" type="datetimeFigureOut">
               <a:rPr lang="en-US" smtClean="0"/>
-              <a:t>3/11/2021</a:t>
+              <a:t>3/18/2021</a:t>
             </a:fld>
             <a:endParaRPr lang="en-US"/>
           </a:p>
@@ -1955,7 +1962,7 @@
           <a:p>
             <a:fld id="{E0C59285-2960-4270-9567-5CA6C799700B}" type="datetimeFigureOut">
               <a:rPr lang="en-US" smtClean="0"/>
-              <a:t>3/11/2021</a:t>
+              <a:t>3/18/2021</a:t>
             </a:fld>
             <a:endParaRPr lang="en-US"/>
           </a:p>
@@ -2068,7 +2075,7 @@
           <a:p>
             <a:fld id="{E0C59285-2960-4270-9567-5CA6C799700B}" type="datetimeFigureOut">
               <a:rPr lang="en-US" smtClean="0"/>
-              <a:t>3/11/2021</a:t>
+              <a:t>3/18/2021</a:t>
             </a:fld>
             <a:endParaRPr lang="en-US"/>
           </a:p>
@@ -2379,7 +2386,7 @@
           <a:p>
             <a:fld id="{E0C59285-2960-4270-9567-5CA6C799700B}" type="datetimeFigureOut">
               <a:rPr lang="en-US" smtClean="0"/>
-              <a:t>3/11/2021</a:t>
+              <a:t>3/18/2021</a:t>
             </a:fld>
             <a:endParaRPr lang="en-US"/>
           </a:p>
@@ -2667,7 +2674,7 @@
           <a:p>
             <a:fld id="{E0C59285-2960-4270-9567-5CA6C799700B}" type="datetimeFigureOut">
               <a:rPr lang="en-US" smtClean="0"/>
-              <a:t>3/11/2021</a:t>
+              <a:t>3/18/2021</a:t>
             </a:fld>
             <a:endParaRPr lang="en-US"/>
           </a:p>
@@ -2908,7 +2915,7 @@
           <a:p>
             <a:fld id="{E0C59285-2960-4270-9567-5CA6C799700B}" type="datetimeFigureOut">
               <a:rPr lang="en-US" smtClean="0"/>
-              <a:t>3/11/2021</a:t>
+              <a:t>3/18/2021</a:t>
             </a:fld>
             <a:endParaRPr lang="en-US"/>
           </a:p>
@@ -3684,10 +3691,10 @@
       </p:sp>
       <p:sp>
         <p:nvSpPr>
-          <p:cNvPr id="14" name="Oval 13">
-            <a:extLst>
-              <a:ext uri="{FF2B5EF4-FFF2-40B4-BE49-F238E27FC236}">
-                <a16:creationId xmlns:a16="http://schemas.microsoft.com/office/drawing/2014/main" id="{80EFC472-AD12-404B-8672-B60D9F08D24D}"/>
+          <p:cNvPr id="16" name="Oval 15">
+            <a:extLst>
+              <a:ext uri="{FF2B5EF4-FFF2-40B4-BE49-F238E27FC236}">
+                <a16:creationId xmlns:a16="http://schemas.microsoft.com/office/drawing/2014/main" id="{36420CAD-7D5C-4080-B858-B0C427760B60}"/>
               </a:ext>
             </a:extLst>
           </p:cNvPr>
@@ -3696,7 +3703,7 @@
         </p:nvSpPr>
         <p:spPr>
           <a:xfrm>
-            <a:off x="3858330" y="2505773"/>
+            <a:off x="4489701" y="3492008"/>
             <a:ext cx="227390" cy="227390"/>
           </a:xfrm>
           <a:prstGeom prst="ellipse">
@@ -3730,10 +3737,10 @@
       </p:sp>
       <p:sp>
         <p:nvSpPr>
-          <p:cNvPr id="15" name="TextBox 14">
-            <a:extLst>
-              <a:ext uri="{FF2B5EF4-FFF2-40B4-BE49-F238E27FC236}">
-                <a16:creationId xmlns:a16="http://schemas.microsoft.com/office/drawing/2014/main" id="{054379E9-1A61-43C6-A6C5-471FD1255765}"/>
+          <p:cNvPr id="17" name="TextBox 16">
+            <a:extLst>
+              <a:ext uri="{FF2B5EF4-FFF2-40B4-BE49-F238E27FC236}">
+                <a16:creationId xmlns:a16="http://schemas.microsoft.com/office/drawing/2014/main" id="{6E4AA33A-3F08-41EF-83FB-3D7EC6E68013}"/>
               </a:ext>
             </a:extLst>
           </p:cNvPr>
@@ -3742,7 +3749,7 @@
         </p:nvSpPr>
         <p:spPr>
           <a:xfrm>
-            <a:off x="3947886" y="2199306"/>
+            <a:off x="4579257" y="3185541"/>
             <a:ext cx="1371600" cy="306467"/>
           </a:xfrm>
           <a:prstGeom prst="roundRect">
@@ -3772,17 +3779,17 @@
             <a:pPr algn="ctr"/>
             <a:r>
               <a:rPr lang="en-US" dirty="0"/>
-              <a:t>Boise, ID</a:t>
-            </a:r>
-          </a:p>
-        </p:txBody>
-      </p:sp>
-      <p:sp>
-        <p:nvSpPr>
-          <p:cNvPr id="16" name="Oval 15">
-            <a:extLst>
-              <a:ext uri="{FF2B5EF4-FFF2-40B4-BE49-F238E27FC236}">
-                <a16:creationId xmlns:a16="http://schemas.microsoft.com/office/drawing/2014/main" id="{36420CAD-7D5C-4080-B858-B0C427760B60}"/>
+              <a:t>SLC, UT</a:t>
+            </a:r>
+          </a:p>
+        </p:txBody>
+      </p:sp>
+      <p:sp>
+        <p:nvSpPr>
+          <p:cNvPr id="18" name="Oval 17">
+            <a:extLst>
+              <a:ext uri="{FF2B5EF4-FFF2-40B4-BE49-F238E27FC236}">
+                <a16:creationId xmlns:a16="http://schemas.microsoft.com/office/drawing/2014/main" id="{0D2EB32B-16EF-4278-B7C6-7C94094BE7F1}"/>
               </a:ext>
             </a:extLst>
           </p:cNvPr>
@@ -3791,7 +3798,7 @@
         </p:nvSpPr>
         <p:spPr>
           <a:xfrm>
-            <a:off x="4489701" y="3492008"/>
+            <a:off x="2677731" y="3312782"/>
             <a:ext cx="227390" cy="227390"/>
           </a:xfrm>
           <a:prstGeom prst="ellipse">
@@ -3825,10 +3832,10 @@
       </p:sp>
       <p:sp>
         <p:nvSpPr>
-          <p:cNvPr id="17" name="TextBox 16">
-            <a:extLst>
-              <a:ext uri="{FF2B5EF4-FFF2-40B4-BE49-F238E27FC236}">
-                <a16:creationId xmlns:a16="http://schemas.microsoft.com/office/drawing/2014/main" id="{6E4AA33A-3F08-41EF-83FB-3D7EC6E68013}"/>
+          <p:cNvPr id="19" name="TextBox 18">
+            <a:extLst>
+              <a:ext uri="{FF2B5EF4-FFF2-40B4-BE49-F238E27FC236}">
+                <a16:creationId xmlns:a16="http://schemas.microsoft.com/office/drawing/2014/main" id="{691A8844-0B00-47BF-99BF-A8377EADC45E}"/>
               </a:ext>
             </a:extLst>
           </p:cNvPr>
@@ -3837,7 +3844,7 @@
         </p:nvSpPr>
         <p:spPr>
           <a:xfrm>
-            <a:off x="4579257" y="3185541"/>
+            <a:off x="2767287" y="3006315"/>
             <a:ext cx="1371600" cy="306467"/>
           </a:xfrm>
           <a:prstGeom prst="roundRect">
@@ -3867,17 +3874,17 @@
             <a:pPr algn="ctr"/>
             <a:r>
               <a:rPr lang="en-US" dirty="0"/>
-              <a:t>SLC, UT</a:t>
-            </a:r>
-          </a:p>
-        </p:txBody>
-      </p:sp>
-      <p:sp>
-        <p:nvSpPr>
-          <p:cNvPr id="18" name="Oval 17">
-            <a:extLst>
-              <a:ext uri="{FF2B5EF4-FFF2-40B4-BE49-F238E27FC236}">
-                <a16:creationId xmlns:a16="http://schemas.microsoft.com/office/drawing/2014/main" id="{0D2EB32B-16EF-4278-B7C6-7C94094BE7F1}"/>
+              <a:t>Reno, NV</a:t>
+            </a:r>
+          </a:p>
+        </p:txBody>
+      </p:sp>
+      <p:sp>
+        <p:nvSpPr>
+          <p:cNvPr id="20" name="Oval 19">
+            <a:extLst>
+              <a:ext uri="{FF2B5EF4-FFF2-40B4-BE49-F238E27FC236}">
+                <a16:creationId xmlns:a16="http://schemas.microsoft.com/office/drawing/2014/main" id="{21F17837-7B89-4DFF-B882-FE27868B0A02}"/>
               </a:ext>
             </a:extLst>
           </p:cNvPr>
@@ -3886,7 +3893,7 @@
         </p:nvSpPr>
         <p:spPr>
           <a:xfrm>
-            <a:off x="2677731" y="3312782"/>
+            <a:off x="2755139" y="5044100"/>
             <a:ext cx="227390" cy="227390"/>
           </a:xfrm>
           <a:prstGeom prst="ellipse">
@@ -3920,10 +3927,10 @@
       </p:sp>
       <p:sp>
         <p:nvSpPr>
-          <p:cNvPr id="19" name="TextBox 18">
-            <a:extLst>
-              <a:ext uri="{FF2B5EF4-FFF2-40B4-BE49-F238E27FC236}">
-                <a16:creationId xmlns:a16="http://schemas.microsoft.com/office/drawing/2014/main" id="{691A8844-0B00-47BF-99BF-A8377EADC45E}"/>
+          <p:cNvPr id="21" name="TextBox 20">
+            <a:extLst>
+              <a:ext uri="{FF2B5EF4-FFF2-40B4-BE49-F238E27FC236}">
+                <a16:creationId xmlns:a16="http://schemas.microsoft.com/office/drawing/2014/main" id="{241532BF-0291-4225-A9FD-47DE3D6D478A}"/>
               </a:ext>
             </a:extLst>
           </p:cNvPr>
@@ -3932,8 +3939,8 @@
         </p:nvSpPr>
         <p:spPr>
           <a:xfrm>
-            <a:off x="2767287" y="3006315"/>
-            <a:ext cx="1371600" cy="306467"/>
+            <a:off x="1252862" y="5229637"/>
+            <a:ext cx="1538564" cy="306467"/>
           </a:xfrm>
           <a:prstGeom prst="roundRect">
             <a:avLst/>
@@ -3962,17 +3969,17 @@
             <a:pPr algn="ctr"/>
             <a:r>
               <a:rPr lang="en-US" dirty="0"/>
-              <a:t>Reno, NV</a:t>
-            </a:r>
-          </a:p>
-        </p:txBody>
-      </p:sp>
-      <p:sp>
-        <p:nvSpPr>
-          <p:cNvPr id="20" name="Oval 19">
-            <a:extLst>
-              <a:ext uri="{FF2B5EF4-FFF2-40B4-BE49-F238E27FC236}">
-                <a16:creationId xmlns:a16="http://schemas.microsoft.com/office/drawing/2014/main" id="{21F17837-7B89-4DFF-B882-FE27868B0A02}"/>
+              <a:t>Los Angeles, CA</a:t>
+            </a:r>
+          </a:p>
+        </p:txBody>
+      </p:sp>
+      <p:sp>
+        <p:nvSpPr>
+          <p:cNvPr id="22" name="Oval 21">
+            <a:extLst>
+              <a:ext uri="{FF2B5EF4-FFF2-40B4-BE49-F238E27FC236}">
+                <a16:creationId xmlns:a16="http://schemas.microsoft.com/office/drawing/2014/main" id="{61052D66-88BF-41DA-ACFD-82810EF8A0A7}"/>
               </a:ext>
             </a:extLst>
           </p:cNvPr>
@@ -3981,7 +3988,7 @@
         </p:nvSpPr>
         <p:spPr>
           <a:xfrm>
-            <a:off x="2755139" y="5044100"/>
+            <a:off x="2068081" y="3552756"/>
             <a:ext cx="227390" cy="227390"/>
           </a:xfrm>
           <a:prstGeom prst="ellipse">
@@ -4015,10 +4022,10 @@
       </p:sp>
       <p:sp>
         <p:nvSpPr>
-          <p:cNvPr id="21" name="TextBox 20">
-            <a:extLst>
-              <a:ext uri="{FF2B5EF4-FFF2-40B4-BE49-F238E27FC236}">
-                <a16:creationId xmlns:a16="http://schemas.microsoft.com/office/drawing/2014/main" id="{241532BF-0291-4225-A9FD-47DE3D6D478A}"/>
+          <p:cNvPr id="23" name="TextBox 22">
+            <a:extLst>
+              <a:ext uri="{FF2B5EF4-FFF2-40B4-BE49-F238E27FC236}">
+                <a16:creationId xmlns:a16="http://schemas.microsoft.com/office/drawing/2014/main" id="{6BD3BB0C-7F25-4A09-A574-9280033A3639}"/>
               </a:ext>
             </a:extLst>
           </p:cNvPr>
@@ -4027,8 +4034,8 @@
         </p:nvSpPr>
         <p:spPr>
           <a:xfrm>
-            <a:off x="1252862" y="5229637"/>
-            <a:ext cx="1538564" cy="306467"/>
+            <a:off x="360386" y="3738293"/>
+            <a:ext cx="1743982" cy="306467"/>
           </a:xfrm>
           <a:prstGeom prst="roundRect">
             <a:avLst/>
@@ -4057,101 +4064,6 @@
             <a:pPr algn="ctr"/>
             <a:r>
               <a:rPr lang="en-US" dirty="0"/>
-              <a:t>Los Angeles, CA</a:t>
-            </a:r>
-          </a:p>
-        </p:txBody>
-      </p:sp>
-      <p:sp>
-        <p:nvSpPr>
-          <p:cNvPr id="22" name="Oval 21">
-            <a:extLst>
-              <a:ext uri="{FF2B5EF4-FFF2-40B4-BE49-F238E27FC236}">
-                <a16:creationId xmlns:a16="http://schemas.microsoft.com/office/drawing/2014/main" id="{61052D66-88BF-41DA-ACFD-82810EF8A0A7}"/>
-              </a:ext>
-            </a:extLst>
-          </p:cNvPr>
-          <p:cNvSpPr/>
-          <p:nvPr/>
-        </p:nvSpPr>
-        <p:spPr>
-          <a:xfrm>
-            <a:off x="2068081" y="3552756"/>
-            <a:ext cx="227390" cy="227390"/>
-          </a:xfrm>
-          <a:prstGeom prst="ellipse">
-            <a:avLst/>
-          </a:prstGeom>
-        </p:spPr>
-        <p:style>
-          <a:lnRef idx="2">
-            <a:schemeClr val="accent1">
-              <a:shade val="50000"/>
-            </a:schemeClr>
-          </a:lnRef>
-          <a:fillRef idx="1">
-            <a:schemeClr val="accent1"/>
-          </a:fillRef>
-          <a:effectRef idx="0">
-            <a:schemeClr val="accent1"/>
-          </a:effectRef>
-          <a:fontRef idx="minor">
-            <a:schemeClr val="lt1"/>
-          </a:fontRef>
-        </p:style>
-        <p:txBody>
-          <a:bodyPr rtlCol="0" anchor="ctr"/>
-          <a:lstStyle/>
-          <a:p>
-            <a:pPr algn="ctr"/>
-            <a:endParaRPr lang="en-US"/>
-          </a:p>
-        </p:txBody>
-      </p:sp>
-      <p:sp>
-        <p:nvSpPr>
-          <p:cNvPr id="23" name="TextBox 22">
-            <a:extLst>
-              <a:ext uri="{FF2B5EF4-FFF2-40B4-BE49-F238E27FC236}">
-                <a16:creationId xmlns:a16="http://schemas.microsoft.com/office/drawing/2014/main" id="{6BD3BB0C-7F25-4A09-A574-9280033A3639}"/>
-              </a:ext>
-            </a:extLst>
-          </p:cNvPr>
-          <p:cNvSpPr txBox="1"/>
-          <p:nvPr/>
-        </p:nvSpPr>
-        <p:spPr>
-          <a:xfrm>
-            <a:off x="360386" y="3738293"/>
-            <a:ext cx="1743982" cy="306467"/>
-          </a:xfrm>
-          <a:prstGeom prst="roundRect">
-            <a:avLst/>
-          </a:prstGeom>
-        </p:spPr>
-        <p:style>
-          <a:lnRef idx="2">
-            <a:schemeClr val="accent1"/>
-          </a:lnRef>
-          <a:fillRef idx="1">
-            <a:schemeClr val="lt1"/>
-          </a:fillRef>
-          <a:effectRef idx="0">
-            <a:schemeClr val="accent1"/>
-          </a:effectRef>
-          <a:fontRef idx="minor">
-            <a:schemeClr val="dk1"/>
-          </a:fontRef>
-        </p:style>
-        <p:txBody>
-          <a:bodyPr wrap="square" lIns="0" tIns="0" rIns="0" bIns="0" rtlCol="0">
-            <a:spAutoFit/>
-          </a:bodyPr>
-          <a:lstStyle/>
-          <a:p>
-            <a:pPr algn="ctr"/>
-            <a:r>
-              <a:rPr lang="en-US" dirty="0"/>
               <a:t>San Francisco, CA</a:t>
             </a:r>
           </a:p>
@@ -4159,10 +4071,10 @@
       </p:sp>
       <p:pic>
         <p:nvPicPr>
-          <p:cNvPr id="27" name="Picture 26">
-            <a:extLst>
-              <a:ext uri="{FF2B5EF4-FFF2-40B4-BE49-F238E27FC236}">
-                <a16:creationId xmlns:a16="http://schemas.microsoft.com/office/drawing/2014/main" id="{612FAA2E-60F2-41F2-8F6E-1E1D5FD7B331}"/>
+          <p:cNvPr id="2" name="Picture 1">
+            <a:extLst>
+              <a:ext uri="{FF2B5EF4-FFF2-40B4-BE49-F238E27FC236}">
+                <a16:creationId xmlns:a16="http://schemas.microsoft.com/office/drawing/2014/main" id="{75B84AED-F880-46E5-9CE0-3A3CD6EDB901}"/>
               </a:ext>
             </a:extLst>
           </p:cNvPr>
@@ -4179,7 +4091,7 @@
         </p:blipFill>
         <p:spPr>
           <a:xfrm>
-            <a:off x="6155746" y="478456"/>
+            <a:off x="6040413" y="484200"/>
             <a:ext cx="5675868" cy="5895343"/>
           </a:xfrm>
           <a:prstGeom prst="rect">
@@ -4219,6 +4131,201 @@
       </p:grpSpPr>
       <p:sp>
         <p:nvSpPr>
+          <p:cNvPr id="2" name="Title 1">
+            <a:extLst>
+              <a:ext uri="{FF2B5EF4-FFF2-40B4-BE49-F238E27FC236}">
+                <a16:creationId xmlns:a16="http://schemas.microsoft.com/office/drawing/2014/main" id="{DECC5906-0F23-4BD2-BD31-9CC47A60B05B}"/>
+              </a:ext>
+            </a:extLst>
+          </p:cNvPr>
+          <p:cNvSpPr>
+            <a:spLocks noGrp="1"/>
+          </p:cNvSpPr>
+          <p:nvPr>
+            <p:ph type="title"/>
+          </p:nvPr>
+        </p:nvSpPr>
+        <p:spPr/>
+        <p:txBody>
+          <a:bodyPr/>
+          <a:lstStyle/>
+          <a:p>
+            <a:r>
+              <a:rPr lang="en-US" dirty="0"/>
+              <a:t>Populations</a:t>
+            </a:r>
+          </a:p>
+        </p:txBody>
+      </p:sp>
+      <p:sp>
+        <p:nvSpPr>
+          <p:cNvPr id="3" name="Content Placeholder 2">
+            <a:extLst>
+              <a:ext uri="{FF2B5EF4-FFF2-40B4-BE49-F238E27FC236}">
+                <a16:creationId xmlns:a16="http://schemas.microsoft.com/office/drawing/2014/main" id="{4EA3B201-9807-4949-968A-62BF9EBBE1E8}"/>
+              </a:ext>
+            </a:extLst>
+          </p:cNvPr>
+          <p:cNvSpPr>
+            <a:spLocks noGrp="1"/>
+          </p:cNvSpPr>
+          <p:nvPr>
+            <p:ph idx="1"/>
+          </p:nvPr>
+        </p:nvSpPr>
+        <p:spPr>
+          <a:xfrm>
+            <a:off x="838200" y="1856574"/>
+            <a:ext cx="5198055" cy="4351338"/>
+          </a:xfrm>
+        </p:spPr>
+        <p:txBody>
+          <a:bodyPr>
+            <a:normAutofit fontScale="92500" lnSpcReduction="20000"/>
+          </a:bodyPr>
+          <a:lstStyle/>
+          <a:p>
+            <a:r>
+              <a:rPr lang="en-US" dirty="0"/>
+              <a:t>Las Vegas = 1</a:t>
+            </a:r>
+          </a:p>
+          <a:p>
+            <a:pPr lvl="1"/>
+            <a:r>
+              <a:rPr lang="en-US" dirty="0"/>
+              <a:t>634,773</a:t>
+            </a:r>
+          </a:p>
+          <a:p>
+            <a:r>
+              <a:rPr lang="en-US" dirty="0"/>
+              <a:t>SLC = 2</a:t>
+            </a:r>
+          </a:p>
+          <a:p>
+            <a:pPr lvl="1"/>
+            <a:r>
+              <a:rPr lang="en-US" dirty="0"/>
+              <a:t>197,756</a:t>
+            </a:r>
+          </a:p>
+          <a:p>
+            <a:r>
+              <a:rPr lang="en-US" dirty="0"/>
+              <a:t>LA = 3</a:t>
+            </a:r>
+          </a:p>
+          <a:p>
+            <a:pPr lvl="1"/>
+            <a:r>
+              <a:rPr lang="en-US" dirty="0"/>
+              <a:t>3,967,000</a:t>
+            </a:r>
+          </a:p>
+          <a:p>
+            <a:r>
+              <a:rPr lang="en-US" dirty="0"/>
+              <a:t>SF = 4</a:t>
+            </a:r>
+          </a:p>
+          <a:p>
+            <a:pPr lvl="1"/>
+            <a:r>
+              <a:rPr lang="en-US" dirty="0"/>
+              <a:t>874,961</a:t>
+            </a:r>
+          </a:p>
+          <a:p>
+            <a:r>
+              <a:rPr lang="en-US" dirty="0"/>
+              <a:t>Reno = 5</a:t>
+            </a:r>
+          </a:p>
+          <a:p>
+            <a:pPr lvl="1"/>
+            <a:r>
+              <a:rPr lang="en-US" dirty="0"/>
+              <a:t>246,500</a:t>
+            </a:r>
+          </a:p>
+          <a:p>
+            <a:r>
+              <a:rPr lang="en-US" dirty="0"/>
+              <a:t>Seattle = 6</a:t>
+            </a:r>
+          </a:p>
+          <a:p>
+            <a:pPr lvl="1"/>
+            <a:r>
+              <a:rPr lang="en-US" dirty="0"/>
+              <a:t>724,305</a:t>
+            </a:r>
+          </a:p>
+        </p:txBody>
+      </p:sp>
+      <p:pic>
+        <p:nvPicPr>
+          <p:cNvPr id="4" name="Picture 3">
+            <a:extLst>
+              <a:ext uri="{FF2B5EF4-FFF2-40B4-BE49-F238E27FC236}">
+                <a16:creationId xmlns:a16="http://schemas.microsoft.com/office/drawing/2014/main" id="{06EE071F-D840-4374-917C-DF54D9239715}"/>
+              </a:ext>
+            </a:extLst>
+          </p:cNvPr>
+          <p:cNvPicPr>
+            <a:picLocks noChangeAspect="1"/>
+          </p:cNvPicPr>
+          <p:nvPr/>
+        </p:nvPicPr>
+        <p:blipFill>
+          <a:blip r:embed="rId2"/>
+          <a:stretch>
+            <a:fillRect/>
+          </a:stretch>
+        </p:blipFill>
+        <p:spPr>
+          <a:xfrm>
+            <a:off x="6155746" y="478456"/>
+            <a:ext cx="5675868" cy="5895343"/>
+          </a:xfrm>
+          <a:prstGeom prst="rect">
+            <a:avLst/>
+          </a:prstGeom>
+        </p:spPr>
+      </p:pic>
+    </p:spTree>
+    <p:extLst>
+      <p:ext uri="{BB962C8B-B14F-4D97-AF65-F5344CB8AC3E}">
+        <p14:creationId xmlns:p14="http://schemas.microsoft.com/office/powerpoint/2010/main" val="3950159757"/>
+      </p:ext>
+    </p:extLst>
+  </p:cSld>
+  <p:clrMapOvr>
+    <a:masterClrMapping/>
+  </p:clrMapOvr>
+</p:sld>
+</file>
+
+<file path=ppt/slides/slide4.xml><?xml version="1.0" encoding="utf-8"?>
+<p:sld xmlns:a="http://schemas.openxmlformats.org/drawingml/2006/main" xmlns:r="http://schemas.openxmlformats.org/officeDocument/2006/relationships" xmlns:p="http://schemas.openxmlformats.org/presentationml/2006/main">
+  <p:cSld>
+    <p:spTree>
+      <p:nvGrpSpPr>
+        <p:cNvPr id="1" name=""/>
+        <p:cNvGrpSpPr/>
+        <p:nvPr/>
+      </p:nvGrpSpPr>
+      <p:grpSpPr>
+        <a:xfrm>
+          <a:off x="0" y="0"/>
+          <a:ext cx="0" cy="0"/>
+          <a:chOff x="0" y="0"/>
+          <a:chExt cx="0" cy="0"/>
+        </a:xfrm>
+      </p:grpSpPr>
+      <p:sp>
+        <p:nvSpPr>
           <p:cNvPr id="4" name="Oval 3">
             <a:extLst>
               <a:ext uri="{FF2B5EF4-FFF2-40B4-BE49-F238E27FC236}">
@@ -4261,7 +4368,7 @@
             <a:pPr algn="ctr"/>
             <a:r>
               <a:rPr lang="en-US" sz="2800" dirty="0"/>
-              <a:t>7</a:t>
+              <a:t>6</a:t>
             </a:r>
           </a:p>
         </p:txBody>
@@ -4311,55 +4418,6 @@
             <a:r>
               <a:rPr lang="en-US" sz="2800" dirty="0"/>
               <a:t>1</a:t>
-            </a:r>
-          </a:p>
-        </p:txBody>
-      </p:sp>
-      <p:sp>
-        <p:nvSpPr>
-          <p:cNvPr id="8" name="Oval 7">
-            <a:extLst>
-              <a:ext uri="{FF2B5EF4-FFF2-40B4-BE49-F238E27FC236}">
-                <a16:creationId xmlns:a16="http://schemas.microsoft.com/office/drawing/2014/main" id="{2ECBF35D-FF01-448D-9168-B863B989D179}"/>
-              </a:ext>
-            </a:extLst>
-          </p:cNvPr>
-          <p:cNvSpPr/>
-          <p:nvPr/>
-        </p:nvSpPr>
-        <p:spPr>
-          <a:xfrm>
-            <a:off x="5490649" y="2650048"/>
-            <a:ext cx="457200" cy="457200"/>
-          </a:xfrm>
-          <a:prstGeom prst="ellipse">
-            <a:avLst/>
-          </a:prstGeom>
-        </p:spPr>
-        <p:style>
-          <a:lnRef idx="2">
-            <a:schemeClr val="accent1">
-              <a:shade val="50000"/>
-            </a:schemeClr>
-          </a:lnRef>
-          <a:fillRef idx="1">
-            <a:schemeClr val="accent1"/>
-          </a:fillRef>
-          <a:effectRef idx="0">
-            <a:schemeClr val="accent1"/>
-          </a:effectRef>
-          <a:fontRef idx="minor">
-            <a:schemeClr val="lt1"/>
-          </a:fontRef>
-        </p:style>
-        <p:txBody>
-          <a:bodyPr rtlCol="0" anchor="ctr"/>
-          <a:lstStyle/>
-          <a:p>
-            <a:pPr algn="ctr"/>
-            <a:r>
-              <a:rPr lang="en-US" sz="2800" dirty="0"/>
-              <a:t>6</a:t>
             </a:r>
           </a:p>
         </p:txBody>
@@ -4645,89 +4703,6 @@
       </p:cxnSp>
       <p:cxnSp>
         <p:nvCxnSpPr>
-          <p:cNvPr id="24" name="Straight Arrow Connector 23">
-            <a:extLst>
-              <a:ext uri="{FF2B5EF4-FFF2-40B4-BE49-F238E27FC236}">
-                <a16:creationId xmlns:a16="http://schemas.microsoft.com/office/drawing/2014/main" id="{227DD90B-360D-493D-A910-FCA924FA2E91}"/>
-              </a:ext>
-            </a:extLst>
-          </p:cNvPr>
-          <p:cNvCxnSpPr>
-            <a:cxnSpLocks/>
-          </p:cNvCxnSpPr>
-          <p:nvPr/>
-        </p:nvCxnSpPr>
-        <p:spPr>
-          <a:xfrm flipV="1">
-            <a:off x="4722909" y="2972338"/>
-            <a:ext cx="613126" cy="304262"/>
-          </a:xfrm>
-          <a:prstGeom prst="straightConnector1">
-            <a:avLst/>
-          </a:prstGeom>
-          <a:ln w="57150">
-            <a:tailEnd type="triangle"/>
-          </a:ln>
-        </p:spPr>
-        <p:style>
-          <a:lnRef idx="3">
-            <a:schemeClr val="accent1"/>
-          </a:lnRef>
-          <a:fillRef idx="0">
-            <a:schemeClr val="accent1"/>
-          </a:fillRef>
-          <a:effectRef idx="2">
-            <a:schemeClr val="accent1"/>
-          </a:effectRef>
-          <a:fontRef idx="minor">
-            <a:schemeClr val="tx1"/>
-          </a:fontRef>
-        </p:style>
-      </p:cxnSp>
-      <p:cxnSp>
-        <p:nvCxnSpPr>
-          <p:cNvPr id="25" name="Straight Arrow Connector 24">
-            <a:extLst>
-              <a:ext uri="{FF2B5EF4-FFF2-40B4-BE49-F238E27FC236}">
-                <a16:creationId xmlns:a16="http://schemas.microsoft.com/office/drawing/2014/main" id="{6A776CE0-29C6-454E-8DBC-A9F0FCE71116}"/>
-              </a:ext>
-            </a:extLst>
-          </p:cNvPr>
-          <p:cNvCxnSpPr>
-            <a:cxnSpLocks/>
-          </p:cNvCxnSpPr>
-          <p:nvPr/>
-        </p:nvCxnSpPr>
-        <p:spPr>
-          <a:xfrm flipV="1">
-            <a:off x="4792431" y="3107248"/>
-            <a:ext cx="613126" cy="304262"/>
-          </a:xfrm>
-          <a:prstGeom prst="straightConnector1">
-            <a:avLst/>
-          </a:prstGeom>
-          <a:ln w="57150">
-            <a:headEnd type="triangle" w="med" len="med"/>
-            <a:tailEnd type="none" w="med" len="med"/>
-          </a:ln>
-        </p:spPr>
-        <p:style>
-          <a:lnRef idx="3">
-            <a:schemeClr val="accent1"/>
-          </a:lnRef>
-          <a:fillRef idx="0">
-            <a:schemeClr val="accent1"/>
-          </a:fillRef>
-          <a:effectRef idx="2">
-            <a:schemeClr val="accent1"/>
-          </a:effectRef>
-          <a:fontRef idx="minor">
-            <a:schemeClr val="tx1"/>
-          </a:fontRef>
-        </p:style>
-      </p:cxnSp>
-      <p:cxnSp>
-        <p:nvCxnSpPr>
           <p:cNvPr id="28" name="Straight Arrow Connector 27">
             <a:extLst>
               <a:ext uri="{FF2B5EF4-FFF2-40B4-BE49-F238E27FC236}">
@@ -4973,85 +4948,6 @@
       </p:cxnSp>
       <p:cxnSp>
         <p:nvCxnSpPr>
-          <p:cNvPr id="35" name="Straight Arrow Connector 34">
-            <a:extLst>
-              <a:ext uri="{FF2B5EF4-FFF2-40B4-BE49-F238E27FC236}">
-                <a16:creationId xmlns:a16="http://schemas.microsoft.com/office/drawing/2014/main" id="{E2F4F868-36C7-4BC9-8DA5-EF144219BEC9}"/>
-              </a:ext>
-            </a:extLst>
-          </p:cNvPr>
-          <p:cNvCxnSpPr/>
-          <p:nvPr/>
-        </p:nvCxnSpPr>
-        <p:spPr>
-          <a:xfrm flipH="1" flipV="1">
-            <a:off x="5947849" y="3147042"/>
-            <a:ext cx="820316" cy="956517"/>
-          </a:xfrm>
-          <a:prstGeom prst="straightConnector1">
-            <a:avLst/>
-          </a:prstGeom>
-          <a:ln w="57150">
-            <a:tailEnd type="triangle"/>
-          </a:ln>
-        </p:spPr>
-        <p:style>
-          <a:lnRef idx="1">
-            <a:schemeClr val="accent1"/>
-          </a:lnRef>
-          <a:fillRef idx="0">
-            <a:schemeClr val="accent1"/>
-          </a:fillRef>
-          <a:effectRef idx="0">
-            <a:schemeClr val="accent1"/>
-          </a:effectRef>
-          <a:fontRef idx="minor">
-            <a:schemeClr val="tx1"/>
-          </a:fontRef>
-        </p:style>
-      </p:cxnSp>
-      <p:cxnSp>
-        <p:nvCxnSpPr>
-          <p:cNvPr id="36" name="Straight Arrow Connector 35">
-            <a:extLst>
-              <a:ext uri="{FF2B5EF4-FFF2-40B4-BE49-F238E27FC236}">
-                <a16:creationId xmlns:a16="http://schemas.microsoft.com/office/drawing/2014/main" id="{7B27927F-A2B2-41C7-8246-388632FD7F55}"/>
-              </a:ext>
-            </a:extLst>
-          </p:cNvPr>
-          <p:cNvCxnSpPr/>
-          <p:nvPr/>
-        </p:nvCxnSpPr>
-        <p:spPr>
-          <a:xfrm flipH="1" flipV="1">
-            <a:off x="5840568" y="3214497"/>
-            <a:ext cx="820316" cy="956517"/>
-          </a:xfrm>
-          <a:prstGeom prst="straightConnector1">
-            <a:avLst/>
-          </a:prstGeom>
-          <a:ln w="57150">
-            <a:headEnd type="triangle" w="med" len="med"/>
-            <a:tailEnd type="none" w="med" len="med"/>
-          </a:ln>
-        </p:spPr>
-        <p:style>
-          <a:lnRef idx="1">
-            <a:schemeClr val="accent1"/>
-          </a:lnRef>
-          <a:fillRef idx="0">
-            <a:schemeClr val="accent1"/>
-          </a:fillRef>
-          <a:effectRef idx="0">
-            <a:schemeClr val="accent1"/>
-          </a:effectRef>
-          <a:fontRef idx="minor">
-            <a:schemeClr val="tx1"/>
-          </a:fontRef>
-        </p:style>
-      </p:cxnSp>
-      <p:cxnSp>
-        <p:nvCxnSpPr>
           <p:cNvPr id="37" name="Straight Arrow Connector 36">
             <a:extLst>
               <a:ext uri="{FF2B5EF4-FFF2-40B4-BE49-F238E27FC236}">
@@ -5272,88 +5168,6 @@
           <a:ln w="57150">
             <a:headEnd type="triangle" w="med" len="med"/>
             <a:tailEnd type="none" w="med" len="med"/>
-          </a:ln>
-        </p:spPr>
-        <p:style>
-          <a:lnRef idx="1">
-            <a:schemeClr val="accent1"/>
-          </a:lnRef>
-          <a:fillRef idx="0">
-            <a:schemeClr val="accent1"/>
-          </a:fillRef>
-          <a:effectRef idx="0">
-            <a:schemeClr val="accent1"/>
-          </a:effectRef>
-          <a:fontRef idx="minor">
-            <a:schemeClr val="tx1"/>
-          </a:fontRef>
-        </p:style>
-      </p:cxnSp>
-      <p:cxnSp>
-        <p:nvCxnSpPr>
-          <p:cNvPr id="49" name="Straight Arrow Connector 48">
-            <a:extLst>
-              <a:ext uri="{FF2B5EF4-FFF2-40B4-BE49-F238E27FC236}">
-                <a16:creationId xmlns:a16="http://schemas.microsoft.com/office/drawing/2014/main" id="{3ADC27F3-3916-485F-9AB2-10CE17CAD4D8}"/>
-              </a:ext>
-            </a:extLst>
-          </p:cNvPr>
-          <p:cNvCxnSpPr>
-            <a:cxnSpLocks/>
-          </p:cNvCxnSpPr>
-          <p:nvPr/>
-        </p:nvCxnSpPr>
-        <p:spPr>
-          <a:xfrm>
-            <a:off x="4803958" y="1378766"/>
-            <a:ext cx="631986" cy="1271282"/>
-          </a:xfrm>
-          <a:prstGeom prst="straightConnector1">
-            <a:avLst/>
-          </a:prstGeom>
-          <a:ln w="57150">
-            <a:tailEnd type="triangle"/>
-          </a:ln>
-        </p:spPr>
-        <p:style>
-          <a:lnRef idx="1">
-            <a:schemeClr val="accent1"/>
-          </a:lnRef>
-          <a:fillRef idx="0">
-            <a:schemeClr val="accent1"/>
-          </a:fillRef>
-          <a:effectRef idx="0">
-            <a:schemeClr val="accent1"/>
-          </a:effectRef>
-          <a:fontRef idx="minor">
-            <a:schemeClr val="tx1"/>
-          </a:fontRef>
-        </p:style>
-      </p:cxnSp>
-      <p:cxnSp>
-        <p:nvCxnSpPr>
-          <p:cNvPr id="50" name="Straight Arrow Connector 49">
-            <a:extLst>
-              <a:ext uri="{FF2B5EF4-FFF2-40B4-BE49-F238E27FC236}">
-                <a16:creationId xmlns:a16="http://schemas.microsoft.com/office/drawing/2014/main" id="{2A8AD82D-93F3-43C9-BF64-F3E8004CCCDF}"/>
-              </a:ext>
-            </a:extLst>
-          </p:cNvPr>
-          <p:cNvCxnSpPr>
-            <a:cxnSpLocks/>
-          </p:cNvCxnSpPr>
-          <p:nvPr/>
-        </p:nvCxnSpPr>
-        <p:spPr>
-          <a:xfrm>
-            <a:off x="4861314" y="1251579"/>
-            <a:ext cx="748239" cy="1319370"/>
-          </a:xfrm>
-          <a:prstGeom prst="straightConnector1">
-            <a:avLst/>
-          </a:prstGeom>
-          <a:ln w="57150">
-            <a:tailEnd type="triangle"/>
           </a:ln>
         </p:spPr>
         <p:style>
@@ -5593,13 +5407,731 @@
           <a:p>
             <a:r>
               <a:rPr lang="en-US" dirty="0"/>
-              <a:t>Boise = 6</a:t>
-            </a:r>
-          </a:p>
-          <a:p>
-            <a:r>
-              <a:rPr lang="en-US" dirty="0"/>
-              <a:t>Seattle = 7</a:t>
+              <a:t>Seattle = 6</a:t>
+            </a:r>
+          </a:p>
+        </p:txBody>
+      </p:sp>
+      <p:cxnSp>
+        <p:nvCxnSpPr>
+          <p:cNvPr id="32" name="Straight Arrow Connector 31">
+            <a:extLst>
+              <a:ext uri="{FF2B5EF4-FFF2-40B4-BE49-F238E27FC236}">
+                <a16:creationId xmlns:a16="http://schemas.microsoft.com/office/drawing/2014/main" id="{B7FA32A4-1C17-4990-984F-91481CC92958}"/>
+              </a:ext>
+            </a:extLst>
+          </p:cNvPr>
+          <p:cNvCxnSpPr>
+            <a:cxnSpLocks/>
+          </p:cNvCxnSpPr>
+          <p:nvPr/>
+        </p:nvCxnSpPr>
+        <p:spPr>
+          <a:xfrm flipH="1" flipV="1">
+            <a:off x="4791793" y="1274550"/>
+            <a:ext cx="1959527" cy="2855490"/>
+          </a:xfrm>
+          <a:prstGeom prst="straightConnector1">
+            <a:avLst/>
+          </a:prstGeom>
+          <a:ln w="57150">
+            <a:headEnd type="triangle" w="med" len="med"/>
+            <a:tailEnd type="none" w="med" len="med"/>
+          </a:ln>
+        </p:spPr>
+        <p:style>
+          <a:lnRef idx="1">
+            <a:schemeClr val="accent1"/>
+          </a:lnRef>
+          <a:fillRef idx="0">
+            <a:schemeClr val="accent1"/>
+          </a:fillRef>
+          <a:effectRef idx="0">
+            <a:schemeClr val="accent1"/>
+          </a:effectRef>
+          <a:fontRef idx="minor">
+            <a:schemeClr val="tx1"/>
+          </a:fontRef>
+        </p:style>
+      </p:cxnSp>
+      <p:cxnSp>
+        <p:nvCxnSpPr>
+          <p:cNvPr id="39" name="Straight Arrow Connector 38">
+            <a:extLst>
+              <a:ext uri="{FF2B5EF4-FFF2-40B4-BE49-F238E27FC236}">
+                <a16:creationId xmlns:a16="http://schemas.microsoft.com/office/drawing/2014/main" id="{46207F52-AB7E-4DA4-9C2F-3ED847332417}"/>
+              </a:ext>
+            </a:extLst>
+          </p:cNvPr>
+          <p:cNvCxnSpPr>
+            <a:cxnSpLocks/>
+          </p:cNvCxnSpPr>
+          <p:nvPr/>
+        </p:nvCxnSpPr>
+        <p:spPr>
+          <a:xfrm flipH="1" flipV="1">
+            <a:off x="4661250" y="1367280"/>
+            <a:ext cx="1959527" cy="2855490"/>
+          </a:xfrm>
+          <a:prstGeom prst="straightConnector1">
+            <a:avLst/>
+          </a:prstGeom>
+          <a:ln w="57150">
+            <a:headEnd type="none" w="med" len="med"/>
+            <a:tailEnd type="triangle" w="med" len="med"/>
+          </a:ln>
+        </p:spPr>
+        <p:style>
+          <a:lnRef idx="1">
+            <a:schemeClr val="accent1"/>
+          </a:lnRef>
+          <a:fillRef idx="0">
+            <a:schemeClr val="accent1"/>
+          </a:fillRef>
+          <a:effectRef idx="0">
+            <a:schemeClr val="accent1"/>
+          </a:effectRef>
+          <a:fontRef idx="minor">
+            <a:schemeClr val="tx1"/>
+          </a:fontRef>
+        </p:style>
+      </p:cxnSp>
+      <p:sp>
+        <p:nvSpPr>
+          <p:cNvPr id="42" name="TextBox 41">
+            <a:extLst>
+              <a:ext uri="{FF2B5EF4-FFF2-40B4-BE49-F238E27FC236}">
+                <a16:creationId xmlns:a16="http://schemas.microsoft.com/office/drawing/2014/main" id="{9088BEE9-ACA5-4FE0-A1F4-FA685EC28B07}"/>
+              </a:ext>
+            </a:extLst>
+          </p:cNvPr>
+          <p:cNvSpPr txBox="1"/>
+          <p:nvPr/>
+        </p:nvSpPr>
+        <p:spPr>
+          <a:xfrm>
+            <a:off x="5167877" y="5327924"/>
+            <a:ext cx="613126" cy="400110"/>
+          </a:xfrm>
+          <a:prstGeom prst="rect">
+            <a:avLst/>
+          </a:prstGeom>
+          <a:noFill/>
+        </p:spPr>
+        <p:txBody>
+          <a:bodyPr wrap="square" rtlCol="0">
+            <a:spAutoFit/>
+          </a:bodyPr>
+          <a:lstStyle/>
+          <a:p>
+            <a:pPr algn="ctr"/>
+            <a:r>
+              <a:rPr lang="en-US" sz="2000" dirty="0">
+                <a:solidFill>
+                  <a:srgbClr val="00B050"/>
+                </a:solidFill>
+              </a:rPr>
+              <a:t>1</a:t>
+            </a:r>
+          </a:p>
+        </p:txBody>
+      </p:sp>
+      <p:sp>
+        <p:nvSpPr>
+          <p:cNvPr id="43" name="TextBox 42">
+            <a:extLst>
+              <a:ext uri="{FF2B5EF4-FFF2-40B4-BE49-F238E27FC236}">
+                <a16:creationId xmlns:a16="http://schemas.microsoft.com/office/drawing/2014/main" id="{13EEAB02-158E-4287-8A0B-974A87040945}"/>
+              </a:ext>
+            </a:extLst>
+          </p:cNvPr>
+          <p:cNvSpPr txBox="1"/>
+          <p:nvPr/>
+        </p:nvSpPr>
+        <p:spPr>
+          <a:xfrm>
+            <a:off x="4742794" y="4899269"/>
+            <a:ext cx="613126" cy="400110"/>
+          </a:xfrm>
+          <a:prstGeom prst="rect">
+            <a:avLst/>
+          </a:prstGeom>
+          <a:noFill/>
+        </p:spPr>
+        <p:txBody>
+          <a:bodyPr wrap="square" rtlCol="0">
+            <a:spAutoFit/>
+          </a:bodyPr>
+          <a:lstStyle/>
+          <a:p>
+            <a:pPr algn="ctr"/>
+            <a:r>
+              <a:rPr lang="en-US" sz="2000" dirty="0">
+                <a:solidFill>
+                  <a:srgbClr val="00B050"/>
+                </a:solidFill>
+              </a:rPr>
+              <a:t>2</a:t>
+            </a:r>
+          </a:p>
+        </p:txBody>
+      </p:sp>
+      <p:sp>
+        <p:nvSpPr>
+          <p:cNvPr id="44" name="TextBox 43">
+            <a:extLst>
+              <a:ext uri="{FF2B5EF4-FFF2-40B4-BE49-F238E27FC236}">
+                <a16:creationId xmlns:a16="http://schemas.microsoft.com/office/drawing/2014/main" id="{EEC1C665-46DD-443D-B5C6-FF5196E3ED65}"/>
+              </a:ext>
+            </a:extLst>
+          </p:cNvPr>
+          <p:cNvSpPr txBox="1"/>
+          <p:nvPr/>
+        </p:nvSpPr>
+        <p:spPr>
+          <a:xfrm>
+            <a:off x="3153050" y="4736253"/>
+            <a:ext cx="613126" cy="400110"/>
+          </a:xfrm>
+          <a:prstGeom prst="rect">
+            <a:avLst/>
+          </a:prstGeom>
+          <a:noFill/>
+        </p:spPr>
+        <p:txBody>
+          <a:bodyPr wrap="square" rtlCol="0">
+            <a:spAutoFit/>
+          </a:bodyPr>
+          <a:lstStyle/>
+          <a:p>
+            <a:pPr algn="ctr"/>
+            <a:r>
+              <a:rPr lang="en-US" sz="2000" dirty="0">
+                <a:solidFill>
+                  <a:srgbClr val="00B050"/>
+                </a:solidFill>
+              </a:rPr>
+              <a:t>3</a:t>
+            </a:r>
+          </a:p>
+        </p:txBody>
+      </p:sp>
+      <p:sp>
+        <p:nvSpPr>
+          <p:cNvPr id="46" name="TextBox 45">
+            <a:extLst>
+              <a:ext uri="{FF2B5EF4-FFF2-40B4-BE49-F238E27FC236}">
+                <a16:creationId xmlns:a16="http://schemas.microsoft.com/office/drawing/2014/main" id="{89098503-02C5-48C4-891F-C8D1E39CB860}"/>
+              </a:ext>
+            </a:extLst>
+          </p:cNvPr>
+          <p:cNvSpPr txBox="1"/>
+          <p:nvPr/>
+        </p:nvSpPr>
+        <p:spPr>
+          <a:xfrm>
+            <a:off x="3712422" y="4413963"/>
+            <a:ext cx="613126" cy="400110"/>
+          </a:xfrm>
+          <a:prstGeom prst="rect">
+            <a:avLst/>
+          </a:prstGeom>
+          <a:noFill/>
+        </p:spPr>
+        <p:txBody>
+          <a:bodyPr wrap="square" rtlCol="0">
+            <a:spAutoFit/>
+          </a:bodyPr>
+          <a:lstStyle/>
+          <a:p>
+            <a:pPr algn="ctr"/>
+            <a:r>
+              <a:rPr lang="en-US" sz="2000" dirty="0">
+                <a:solidFill>
+                  <a:srgbClr val="00B050"/>
+                </a:solidFill>
+              </a:rPr>
+              <a:t>4</a:t>
+            </a:r>
+          </a:p>
+        </p:txBody>
+      </p:sp>
+      <p:sp>
+        <p:nvSpPr>
+          <p:cNvPr id="48" name="TextBox 47">
+            <a:extLst>
+              <a:ext uri="{FF2B5EF4-FFF2-40B4-BE49-F238E27FC236}">
+                <a16:creationId xmlns:a16="http://schemas.microsoft.com/office/drawing/2014/main" id="{B77256A0-8401-4FD4-B404-3B1052EA69B0}"/>
+              </a:ext>
+            </a:extLst>
+          </p:cNvPr>
+          <p:cNvSpPr txBox="1"/>
+          <p:nvPr/>
+        </p:nvSpPr>
+        <p:spPr>
+          <a:xfrm>
+            <a:off x="4544465" y="4126922"/>
+            <a:ext cx="613126" cy="400110"/>
+          </a:xfrm>
+          <a:prstGeom prst="rect">
+            <a:avLst/>
+          </a:prstGeom>
+          <a:noFill/>
+        </p:spPr>
+        <p:txBody>
+          <a:bodyPr wrap="square" rtlCol="0">
+            <a:spAutoFit/>
+          </a:bodyPr>
+          <a:lstStyle/>
+          <a:p>
+            <a:pPr algn="ctr"/>
+            <a:r>
+              <a:rPr lang="en-US" sz="2000" dirty="0">
+                <a:solidFill>
+                  <a:srgbClr val="00B050"/>
+                </a:solidFill>
+              </a:rPr>
+              <a:t>5</a:t>
+            </a:r>
+          </a:p>
+        </p:txBody>
+      </p:sp>
+      <p:sp>
+        <p:nvSpPr>
+          <p:cNvPr id="51" name="TextBox 50">
+            <a:extLst>
+              <a:ext uri="{FF2B5EF4-FFF2-40B4-BE49-F238E27FC236}">
+                <a16:creationId xmlns:a16="http://schemas.microsoft.com/office/drawing/2014/main" id="{27FB4C64-C1D6-45D8-8B33-1F4AE39D8089}"/>
+              </a:ext>
+            </a:extLst>
+          </p:cNvPr>
+          <p:cNvSpPr txBox="1"/>
+          <p:nvPr/>
+        </p:nvSpPr>
+        <p:spPr>
+          <a:xfrm>
+            <a:off x="5103837" y="3804632"/>
+            <a:ext cx="613126" cy="400110"/>
+          </a:xfrm>
+          <a:prstGeom prst="rect">
+            <a:avLst/>
+          </a:prstGeom>
+          <a:noFill/>
+        </p:spPr>
+        <p:txBody>
+          <a:bodyPr wrap="square" rtlCol="0">
+            <a:spAutoFit/>
+          </a:bodyPr>
+          <a:lstStyle/>
+          <a:p>
+            <a:pPr algn="ctr"/>
+            <a:r>
+              <a:rPr lang="en-US" sz="2000" dirty="0">
+                <a:solidFill>
+                  <a:srgbClr val="00B050"/>
+                </a:solidFill>
+              </a:rPr>
+              <a:t>6</a:t>
+            </a:r>
+          </a:p>
+        </p:txBody>
+      </p:sp>
+      <p:sp>
+        <p:nvSpPr>
+          <p:cNvPr id="52" name="TextBox 51">
+            <a:extLst>
+              <a:ext uri="{FF2B5EF4-FFF2-40B4-BE49-F238E27FC236}">
+                <a16:creationId xmlns:a16="http://schemas.microsoft.com/office/drawing/2014/main" id="{65F2C191-EDFE-4A14-84AB-F21823B60090}"/>
+              </a:ext>
+            </a:extLst>
+          </p:cNvPr>
+          <p:cNvSpPr txBox="1"/>
+          <p:nvPr/>
+        </p:nvSpPr>
+        <p:spPr>
+          <a:xfrm>
+            <a:off x="5355920" y="2975867"/>
+            <a:ext cx="613126" cy="400110"/>
+          </a:xfrm>
+          <a:prstGeom prst="rect">
+            <a:avLst/>
+          </a:prstGeom>
+          <a:noFill/>
+        </p:spPr>
+        <p:txBody>
+          <a:bodyPr wrap="square" rtlCol="0">
+            <a:spAutoFit/>
+          </a:bodyPr>
+          <a:lstStyle/>
+          <a:p>
+            <a:pPr algn="ctr"/>
+            <a:r>
+              <a:rPr lang="en-US" sz="2000" dirty="0">
+                <a:solidFill>
+                  <a:srgbClr val="00B050"/>
+                </a:solidFill>
+              </a:rPr>
+              <a:t>7</a:t>
+            </a:r>
+          </a:p>
+        </p:txBody>
+      </p:sp>
+      <p:sp>
+        <p:nvSpPr>
+          <p:cNvPr id="54" name="TextBox 53">
+            <a:extLst>
+              <a:ext uri="{FF2B5EF4-FFF2-40B4-BE49-F238E27FC236}">
+                <a16:creationId xmlns:a16="http://schemas.microsoft.com/office/drawing/2014/main" id="{91B9E296-5A65-469E-9CC8-B8CC95FCE526}"/>
+              </a:ext>
+            </a:extLst>
+          </p:cNvPr>
+          <p:cNvSpPr txBox="1"/>
+          <p:nvPr/>
+        </p:nvSpPr>
+        <p:spPr>
+          <a:xfrm>
+            <a:off x="5915292" y="2653577"/>
+            <a:ext cx="613126" cy="400110"/>
+          </a:xfrm>
+          <a:prstGeom prst="rect">
+            <a:avLst/>
+          </a:prstGeom>
+          <a:noFill/>
+        </p:spPr>
+        <p:txBody>
+          <a:bodyPr wrap="square" rtlCol="0">
+            <a:spAutoFit/>
+          </a:bodyPr>
+          <a:lstStyle/>
+          <a:p>
+            <a:pPr algn="ctr"/>
+            <a:r>
+              <a:rPr lang="en-US" sz="2000" dirty="0">
+                <a:solidFill>
+                  <a:srgbClr val="00B050"/>
+                </a:solidFill>
+              </a:rPr>
+              <a:t>8</a:t>
+            </a:r>
+          </a:p>
+        </p:txBody>
+      </p:sp>
+      <p:sp>
+        <p:nvSpPr>
+          <p:cNvPr id="55" name="TextBox 54">
+            <a:extLst>
+              <a:ext uri="{FF2B5EF4-FFF2-40B4-BE49-F238E27FC236}">
+                <a16:creationId xmlns:a16="http://schemas.microsoft.com/office/drawing/2014/main" id="{9FDDAC33-2335-4F67-A5A0-E88AE1EB35FB}"/>
+              </a:ext>
+            </a:extLst>
+          </p:cNvPr>
+          <p:cNvSpPr txBox="1"/>
+          <p:nvPr/>
+        </p:nvSpPr>
+        <p:spPr>
+          <a:xfrm>
+            <a:off x="3575667" y="2654152"/>
+            <a:ext cx="613126" cy="400110"/>
+          </a:xfrm>
+          <a:prstGeom prst="rect">
+            <a:avLst/>
+          </a:prstGeom>
+          <a:noFill/>
+        </p:spPr>
+        <p:txBody>
+          <a:bodyPr wrap="square" rtlCol="0">
+            <a:spAutoFit/>
+          </a:bodyPr>
+          <a:lstStyle/>
+          <a:p>
+            <a:pPr algn="ctr"/>
+            <a:r>
+              <a:rPr lang="en-US" sz="2000" dirty="0">
+                <a:solidFill>
+                  <a:srgbClr val="00B050"/>
+                </a:solidFill>
+              </a:rPr>
+              <a:t>10</a:t>
+            </a:r>
+          </a:p>
+        </p:txBody>
+      </p:sp>
+      <p:sp>
+        <p:nvSpPr>
+          <p:cNvPr id="56" name="TextBox 55">
+            <a:extLst>
+              <a:ext uri="{FF2B5EF4-FFF2-40B4-BE49-F238E27FC236}">
+                <a16:creationId xmlns:a16="http://schemas.microsoft.com/office/drawing/2014/main" id="{A74FBFFF-C648-45D7-8EAD-7FD3FC8950FC}"/>
+              </a:ext>
+            </a:extLst>
+          </p:cNvPr>
+          <p:cNvSpPr txBox="1"/>
+          <p:nvPr/>
+        </p:nvSpPr>
+        <p:spPr>
+          <a:xfrm>
+            <a:off x="3150584" y="2225497"/>
+            <a:ext cx="613126" cy="400110"/>
+          </a:xfrm>
+          <a:prstGeom prst="rect">
+            <a:avLst/>
+          </a:prstGeom>
+          <a:noFill/>
+        </p:spPr>
+        <p:txBody>
+          <a:bodyPr wrap="square" rtlCol="0">
+            <a:spAutoFit/>
+          </a:bodyPr>
+          <a:lstStyle/>
+          <a:p>
+            <a:pPr algn="ctr"/>
+            <a:r>
+              <a:rPr lang="en-US" sz="2000" dirty="0">
+                <a:solidFill>
+                  <a:srgbClr val="00B050"/>
+                </a:solidFill>
+              </a:rPr>
+              <a:t>9</a:t>
+            </a:r>
+          </a:p>
+        </p:txBody>
+      </p:sp>
+      <p:sp>
+        <p:nvSpPr>
+          <p:cNvPr id="57" name="TextBox 56">
+            <a:extLst>
+              <a:ext uri="{FF2B5EF4-FFF2-40B4-BE49-F238E27FC236}">
+                <a16:creationId xmlns:a16="http://schemas.microsoft.com/office/drawing/2014/main" id="{4C16B8D6-13C6-4975-B72D-3F5F9A1D05EA}"/>
+              </a:ext>
+            </a:extLst>
+          </p:cNvPr>
+          <p:cNvSpPr txBox="1"/>
+          <p:nvPr/>
+        </p:nvSpPr>
+        <p:spPr>
+          <a:xfrm>
+            <a:off x="4437696" y="2468082"/>
+            <a:ext cx="613126" cy="400110"/>
+          </a:xfrm>
+          <a:prstGeom prst="rect">
+            <a:avLst/>
+          </a:prstGeom>
+          <a:noFill/>
+        </p:spPr>
+        <p:txBody>
+          <a:bodyPr wrap="square" rtlCol="0">
+            <a:spAutoFit/>
+          </a:bodyPr>
+          <a:lstStyle/>
+          <a:p>
+            <a:pPr algn="ctr"/>
+            <a:r>
+              <a:rPr lang="en-US" sz="2000" dirty="0">
+                <a:solidFill>
+                  <a:srgbClr val="00B050"/>
+                </a:solidFill>
+              </a:rPr>
+              <a:t>12</a:t>
+            </a:r>
+          </a:p>
+        </p:txBody>
+      </p:sp>
+      <p:sp>
+        <p:nvSpPr>
+          <p:cNvPr id="58" name="TextBox 57">
+            <a:extLst>
+              <a:ext uri="{FF2B5EF4-FFF2-40B4-BE49-F238E27FC236}">
+                <a16:creationId xmlns:a16="http://schemas.microsoft.com/office/drawing/2014/main" id="{C323E763-C0A1-4C0D-9BA5-E7142EABB624}"/>
+              </a:ext>
+            </a:extLst>
+          </p:cNvPr>
+          <p:cNvSpPr txBox="1"/>
+          <p:nvPr/>
+        </p:nvSpPr>
+        <p:spPr>
+          <a:xfrm>
+            <a:off x="3929169" y="2088317"/>
+            <a:ext cx="613126" cy="400110"/>
+          </a:xfrm>
+          <a:prstGeom prst="rect">
+            <a:avLst/>
+          </a:prstGeom>
+          <a:noFill/>
+        </p:spPr>
+        <p:txBody>
+          <a:bodyPr wrap="square" rtlCol="0">
+            <a:spAutoFit/>
+          </a:bodyPr>
+          <a:lstStyle/>
+          <a:p>
+            <a:pPr algn="ctr"/>
+            <a:r>
+              <a:rPr lang="en-US" sz="2000" dirty="0">
+                <a:solidFill>
+                  <a:srgbClr val="00B050"/>
+                </a:solidFill>
+              </a:rPr>
+              <a:t>11</a:t>
+            </a:r>
+          </a:p>
+        </p:txBody>
+      </p:sp>
+      <p:sp>
+        <p:nvSpPr>
+          <p:cNvPr id="61" name="TextBox 60">
+            <a:extLst>
+              <a:ext uri="{FF2B5EF4-FFF2-40B4-BE49-F238E27FC236}">
+                <a16:creationId xmlns:a16="http://schemas.microsoft.com/office/drawing/2014/main" id="{0FB7FCEE-B35E-4830-8216-4C619BA4D753}"/>
+              </a:ext>
+            </a:extLst>
+          </p:cNvPr>
+          <p:cNvSpPr txBox="1"/>
+          <p:nvPr/>
+        </p:nvSpPr>
+        <p:spPr>
+          <a:xfrm>
+            <a:off x="6187730" y="4767885"/>
+            <a:ext cx="613126" cy="400110"/>
+          </a:xfrm>
+          <a:prstGeom prst="rect">
+            <a:avLst/>
+          </a:prstGeom>
+          <a:noFill/>
+        </p:spPr>
+        <p:txBody>
+          <a:bodyPr wrap="square" rtlCol="0">
+            <a:spAutoFit/>
+          </a:bodyPr>
+          <a:lstStyle/>
+          <a:p>
+            <a:pPr algn="ctr"/>
+            <a:r>
+              <a:rPr lang="en-US" sz="2000" dirty="0">
+                <a:solidFill>
+                  <a:srgbClr val="00B050"/>
+                </a:solidFill>
+              </a:rPr>
+              <a:t>14</a:t>
+            </a:r>
+          </a:p>
+        </p:txBody>
+      </p:sp>
+      <p:sp>
+        <p:nvSpPr>
+          <p:cNvPr id="62" name="TextBox 61">
+            <a:extLst>
+              <a:ext uri="{FF2B5EF4-FFF2-40B4-BE49-F238E27FC236}">
+                <a16:creationId xmlns:a16="http://schemas.microsoft.com/office/drawing/2014/main" id="{B684C7B9-B399-4F79-978A-9896E7C3A881}"/>
+              </a:ext>
+            </a:extLst>
+          </p:cNvPr>
+          <p:cNvSpPr txBox="1"/>
+          <p:nvPr/>
+        </p:nvSpPr>
+        <p:spPr>
+          <a:xfrm>
+            <a:off x="5762647" y="4339230"/>
+            <a:ext cx="613126" cy="400110"/>
+          </a:xfrm>
+          <a:prstGeom prst="rect">
+            <a:avLst/>
+          </a:prstGeom>
+          <a:noFill/>
+        </p:spPr>
+        <p:txBody>
+          <a:bodyPr wrap="square" rtlCol="0">
+            <a:spAutoFit/>
+          </a:bodyPr>
+          <a:lstStyle/>
+          <a:p>
+            <a:pPr algn="ctr"/>
+            <a:r>
+              <a:rPr lang="en-US" sz="2000" dirty="0">
+                <a:solidFill>
+                  <a:srgbClr val="00B050"/>
+                </a:solidFill>
+              </a:rPr>
+              <a:t>13</a:t>
+            </a:r>
+          </a:p>
+        </p:txBody>
+      </p:sp>
+      <p:sp>
+        <p:nvSpPr>
+          <p:cNvPr id="63" name="TextBox 62">
+            <a:extLst>
+              <a:ext uri="{FF2B5EF4-FFF2-40B4-BE49-F238E27FC236}">
+                <a16:creationId xmlns:a16="http://schemas.microsoft.com/office/drawing/2014/main" id="{B2E3AC18-E218-4031-B645-AE38A6C210FF}"/>
+              </a:ext>
+            </a:extLst>
+          </p:cNvPr>
+          <p:cNvSpPr txBox="1"/>
+          <p:nvPr/>
+        </p:nvSpPr>
+        <p:spPr>
+          <a:xfrm>
+            <a:off x="3828702" y="3755091"/>
+            <a:ext cx="613126" cy="400110"/>
+          </a:xfrm>
+          <a:prstGeom prst="rect">
+            <a:avLst/>
+          </a:prstGeom>
+          <a:noFill/>
+        </p:spPr>
+        <p:txBody>
+          <a:bodyPr wrap="square" rtlCol="0">
+            <a:spAutoFit/>
+          </a:bodyPr>
+          <a:lstStyle/>
+          <a:p>
+            <a:pPr algn="ctr"/>
+            <a:r>
+              <a:rPr lang="en-US" sz="2000" dirty="0">
+                <a:solidFill>
+                  <a:srgbClr val="00B050"/>
+                </a:solidFill>
+              </a:rPr>
+              <a:t>16</a:t>
+            </a:r>
+          </a:p>
+        </p:txBody>
+      </p:sp>
+      <p:sp>
+        <p:nvSpPr>
+          <p:cNvPr id="64" name="TextBox 63">
+            <a:extLst>
+              <a:ext uri="{FF2B5EF4-FFF2-40B4-BE49-F238E27FC236}">
+                <a16:creationId xmlns:a16="http://schemas.microsoft.com/office/drawing/2014/main" id="{6EB28723-7AEB-4874-A000-D4363F3C90C5}"/>
+              </a:ext>
+            </a:extLst>
+          </p:cNvPr>
+          <p:cNvSpPr txBox="1"/>
+          <p:nvPr/>
+        </p:nvSpPr>
+        <p:spPr>
+          <a:xfrm>
+            <a:off x="3403619" y="3326436"/>
+            <a:ext cx="613126" cy="400110"/>
+          </a:xfrm>
+          <a:prstGeom prst="rect">
+            <a:avLst/>
+          </a:prstGeom>
+          <a:noFill/>
+        </p:spPr>
+        <p:txBody>
+          <a:bodyPr wrap="square" rtlCol="0">
+            <a:spAutoFit/>
+          </a:bodyPr>
+          <a:lstStyle/>
+          <a:p>
+            <a:pPr algn="ctr"/>
+            <a:r>
+              <a:rPr lang="en-US" sz="2000" dirty="0">
+                <a:solidFill>
+                  <a:srgbClr val="00B050"/>
+                </a:solidFill>
+              </a:rPr>
+              <a:t>15</a:t>
             </a:r>
           </a:p>
         </p:txBody>
@@ -5617,7 +6149,7 @@
 </p:sld>
 </file>
 
-<file path=ppt/slides/slide4.xml><?xml version="1.0" encoding="utf-8"?>
+<file path=ppt/slides/slide5.xml><?xml version="1.0" encoding="utf-8"?>
 <p:sld xmlns:a="http://schemas.openxmlformats.org/drawingml/2006/main" xmlns:r="http://schemas.openxmlformats.org/officeDocument/2006/relationships" xmlns:p="http://schemas.openxmlformats.org/presentationml/2006/main">
   <p:cSld>
     <p:spTree>
@@ -5636,353 +6168,178 @@
       </p:grpSpPr>
       <p:sp>
         <p:nvSpPr>
-          <p:cNvPr id="4" name="Oval 3">
-            <a:extLst>
-              <a:ext uri="{FF2B5EF4-FFF2-40B4-BE49-F238E27FC236}">
-                <a16:creationId xmlns:a16="http://schemas.microsoft.com/office/drawing/2014/main" id="{571D9D4B-25C0-400D-961B-0B9093657473}"/>
-              </a:ext>
-            </a:extLst>
-          </p:cNvPr>
-          <p:cNvSpPr/>
-          <p:nvPr/>
-        </p:nvSpPr>
-        <p:spPr>
-          <a:xfrm>
-            <a:off x="3628469" y="512550"/>
-            <a:ext cx="457200" cy="457200"/>
-          </a:xfrm>
-          <a:prstGeom prst="ellipse">
-            <a:avLst/>
-          </a:prstGeom>
-        </p:spPr>
-        <p:style>
-          <a:lnRef idx="2">
-            <a:schemeClr val="accent1">
-              <a:shade val="50000"/>
-            </a:schemeClr>
-          </a:lnRef>
-          <a:fillRef idx="1">
-            <a:schemeClr val="accent1"/>
-          </a:fillRef>
-          <a:effectRef idx="0">
-            <a:schemeClr val="accent1"/>
-          </a:effectRef>
-          <a:fontRef idx="minor">
-            <a:schemeClr val="lt1"/>
-          </a:fontRef>
-        </p:style>
-        <p:txBody>
-          <a:bodyPr rtlCol="0" anchor="ctr"/>
-          <a:lstStyle/>
-          <a:p>
-            <a:pPr algn="ctr"/>
-            <a:r>
-              <a:rPr lang="en-US" sz="2800" dirty="0"/>
-              <a:t>7</a:t>
-            </a:r>
-          </a:p>
-        </p:txBody>
-      </p:sp>
-      <p:sp>
-        <p:nvSpPr>
-          <p:cNvPr id="6" name="Oval 5">
-            <a:extLst>
-              <a:ext uri="{FF2B5EF4-FFF2-40B4-BE49-F238E27FC236}">
-                <a16:creationId xmlns:a16="http://schemas.microsoft.com/office/drawing/2014/main" id="{62324B04-8820-45C2-8EFD-FEDA3062E83E}"/>
-              </a:ext>
-            </a:extLst>
-          </p:cNvPr>
-          <p:cNvSpPr/>
-          <p:nvPr/>
-        </p:nvSpPr>
-        <p:spPr>
-          <a:xfrm>
-            <a:off x="4831999" y="4509273"/>
-            <a:ext cx="457200" cy="457200"/>
-          </a:xfrm>
-          <a:prstGeom prst="ellipse">
-            <a:avLst/>
-          </a:prstGeom>
-        </p:spPr>
-        <p:style>
-          <a:lnRef idx="2">
-            <a:schemeClr val="accent1">
-              <a:shade val="50000"/>
-            </a:schemeClr>
-          </a:lnRef>
-          <a:fillRef idx="1">
-            <a:schemeClr val="accent1"/>
-          </a:fillRef>
-          <a:effectRef idx="0">
-            <a:schemeClr val="accent1"/>
-          </a:effectRef>
-          <a:fontRef idx="minor">
-            <a:schemeClr val="lt1"/>
-          </a:fontRef>
-        </p:style>
-        <p:txBody>
-          <a:bodyPr rtlCol="0" anchor="ctr"/>
-          <a:lstStyle/>
-          <a:p>
-            <a:pPr algn="ctr"/>
-            <a:r>
-              <a:rPr lang="en-US" sz="2800" dirty="0"/>
-              <a:t>1</a:t>
-            </a:r>
-          </a:p>
-        </p:txBody>
-      </p:sp>
-      <p:sp>
-        <p:nvSpPr>
-          <p:cNvPr id="8" name="Oval 7">
-            <a:extLst>
-              <a:ext uri="{FF2B5EF4-FFF2-40B4-BE49-F238E27FC236}">
-                <a16:creationId xmlns:a16="http://schemas.microsoft.com/office/drawing/2014/main" id="{2ECBF35D-FF01-448D-9168-B863B989D179}"/>
-              </a:ext>
-            </a:extLst>
-          </p:cNvPr>
-          <p:cNvSpPr/>
-          <p:nvPr/>
-        </p:nvSpPr>
-        <p:spPr>
-          <a:xfrm>
-            <a:off x="5121866" y="2348727"/>
-            <a:ext cx="457200" cy="457200"/>
-          </a:xfrm>
-          <a:prstGeom prst="ellipse">
-            <a:avLst/>
-          </a:prstGeom>
-        </p:spPr>
-        <p:style>
-          <a:lnRef idx="2">
-            <a:schemeClr val="accent1">
-              <a:shade val="50000"/>
-            </a:schemeClr>
-          </a:lnRef>
-          <a:fillRef idx="1">
-            <a:schemeClr val="accent1"/>
-          </a:fillRef>
-          <a:effectRef idx="0">
-            <a:schemeClr val="accent1"/>
-          </a:effectRef>
-          <a:fontRef idx="minor">
-            <a:schemeClr val="lt1"/>
-          </a:fontRef>
-        </p:style>
-        <p:txBody>
-          <a:bodyPr rtlCol="0" anchor="ctr"/>
-          <a:lstStyle/>
-          <a:p>
-            <a:pPr algn="ctr"/>
-            <a:r>
-              <a:rPr lang="en-US" sz="2800" dirty="0"/>
-              <a:t>6</a:t>
-            </a:r>
-          </a:p>
-        </p:txBody>
-      </p:sp>
-      <p:sp>
-        <p:nvSpPr>
-          <p:cNvPr id="10" name="Oval 9">
-            <a:extLst>
-              <a:ext uri="{FF2B5EF4-FFF2-40B4-BE49-F238E27FC236}">
-                <a16:creationId xmlns:a16="http://schemas.microsoft.com/office/drawing/2014/main" id="{E0C3669E-1932-4856-AE81-2502A75A02AF}"/>
-              </a:ext>
-            </a:extLst>
-          </p:cNvPr>
-          <p:cNvSpPr/>
-          <p:nvPr/>
-        </p:nvSpPr>
-        <p:spPr>
-          <a:xfrm>
-            <a:off x="5929245" y="3899942"/>
-            <a:ext cx="457200" cy="457200"/>
-          </a:xfrm>
-          <a:prstGeom prst="ellipse">
-            <a:avLst/>
-          </a:prstGeom>
-        </p:spPr>
-        <p:style>
-          <a:lnRef idx="2">
-            <a:schemeClr val="accent1">
-              <a:shade val="50000"/>
-            </a:schemeClr>
-          </a:lnRef>
-          <a:fillRef idx="1">
-            <a:schemeClr val="accent1"/>
-          </a:fillRef>
-          <a:effectRef idx="0">
-            <a:schemeClr val="accent1"/>
-          </a:effectRef>
-          <a:fontRef idx="minor">
-            <a:schemeClr val="lt1"/>
-          </a:fontRef>
-        </p:style>
-        <p:txBody>
-          <a:bodyPr rtlCol="0" anchor="ctr"/>
-          <a:lstStyle/>
-          <a:p>
-            <a:pPr algn="ctr"/>
-            <a:r>
-              <a:rPr lang="en-US" sz="2800" dirty="0"/>
-              <a:t>2</a:t>
-            </a:r>
-          </a:p>
-        </p:txBody>
-      </p:sp>
-      <p:sp>
-        <p:nvSpPr>
-          <p:cNvPr id="12" name="Oval 11">
-            <a:extLst>
-              <a:ext uri="{FF2B5EF4-FFF2-40B4-BE49-F238E27FC236}">
-                <a16:creationId xmlns:a16="http://schemas.microsoft.com/office/drawing/2014/main" id="{2A411877-2377-4C1D-AD58-F4428E0D4544}"/>
-              </a:ext>
-            </a:extLst>
-          </p:cNvPr>
-          <p:cNvSpPr/>
-          <p:nvPr/>
-        </p:nvSpPr>
-        <p:spPr>
-          <a:xfrm>
-            <a:off x="3538913" y="2971800"/>
-            <a:ext cx="457200" cy="457200"/>
-          </a:xfrm>
-          <a:prstGeom prst="ellipse">
-            <a:avLst/>
-          </a:prstGeom>
-        </p:spPr>
-        <p:style>
-          <a:lnRef idx="2">
-            <a:schemeClr val="accent1">
-              <a:shade val="50000"/>
-            </a:schemeClr>
-          </a:lnRef>
-          <a:fillRef idx="1">
-            <a:schemeClr val="accent1"/>
-          </a:fillRef>
-          <a:effectRef idx="0">
-            <a:schemeClr val="accent1"/>
-          </a:effectRef>
-          <a:fontRef idx="minor">
-            <a:schemeClr val="lt1"/>
-          </a:fontRef>
-        </p:style>
-        <p:txBody>
-          <a:bodyPr rtlCol="0" anchor="ctr"/>
-          <a:lstStyle/>
-          <a:p>
-            <a:pPr algn="ctr"/>
-            <a:r>
-              <a:rPr lang="en-US" sz="2800" dirty="0"/>
-              <a:t>5</a:t>
-            </a:r>
-          </a:p>
-        </p:txBody>
-      </p:sp>
-      <p:sp>
-        <p:nvSpPr>
-          <p:cNvPr id="14" name="Oval 13">
-            <a:extLst>
-              <a:ext uri="{FF2B5EF4-FFF2-40B4-BE49-F238E27FC236}">
-                <a16:creationId xmlns:a16="http://schemas.microsoft.com/office/drawing/2014/main" id="{21601682-1F80-46C7-A89D-1ECCE6859112}"/>
-              </a:ext>
-            </a:extLst>
-          </p:cNvPr>
-          <p:cNvSpPr/>
-          <p:nvPr/>
-        </p:nvSpPr>
-        <p:spPr>
-          <a:xfrm>
-            <a:off x="3623366" y="5118604"/>
-            <a:ext cx="457200" cy="457200"/>
-          </a:xfrm>
-          <a:prstGeom prst="ellipse">
-            <a:avLst/>
-          </a:prstGeom>
-        </p:spPr>
-        <p:style>
-          <a:lnRef idx="2">
-            <a:schemeClr val="accent1">
-              <a:shade val="50000"/>
-            </a:schemeClr>
-          </a:lnRef>
-          <a:fillRef idx="1">
-            <a:schemeClr val="accent1"/>
-          </a:fillRef>
-          <a:effectRef idx="0">
-            <a:schemeClr val="accent1"/>
-          </a:effectRef>
-          <a:fontRef idx="minor">
-            <a:schemeClr val="lt1"/>
-          </a:fontRef>
-        </p:style>
-        <p:txBody>
-          <a:bodyPr rtlCol="0" anchor="ctr"/>
-          <a:lstStyle/>
-          <a:p>
-            <a:pPr algn="ctr"/>
-            <a:r>
-              <a:rPr lang="en-US" sz="2800" dirty="0"/>
-              <a:t>3</a:t>
-            </a:r>
-          </a:p>
-        </p:txBody>
-      </p:sp>
-      <p:sp>
-        <p:nvSpPr>
-          <p:cNvPr id="16" name="Oval 15">
-            <a:extLst>
-              <a:ext uri="{FF2B5EF4-FFF2-40B4-BE49-F238E27FC236}">
-                <a16:creationId xmlns:a16="http://schemas.microsoft.com/office/drawing/2014/main" id="{E5BE72CE-14FC-40FB-B536-B4E3B2F1CA9B}"/>
-              </a:ext>
-            </a:extLst>
-          </p:cNvPr>
-          <p:cNvSpPr/>
-          <p:nvPr/>
-        </p:nvSpPr>
-        <p:spPr>
-          <a:xfrm>
-            <a:off x="2213224" y="3552756"/>
-            <a:ext cx="457200" cy="457200"/>
-          </a:xfrm>
-          <a:prstGeom prst="ellipse">
-            <a:avLst/>
-          </a:prstGeom>
-        </p:spPr>
-        <p:style>
-          <a:lnRef idx="2">
-            <a:schemeClr val="accent1">
-              <a:shade val="50000"/>
-            </a:schemeClr>
-          </a:lnRef>
-          <a:fillRef idx="1">
-            <a:schemeClr val="accent1"/>
-          </a:fillRef>
-          <a:effectRef idx="0">
-            <a:schemeClr val="accent1"/>
-          </a:effectRef>
-          <a:fontRef idx="minor">
-            <a:schemeClr val="lt1"/>
-          </a:fontRef>
-        </p:style>
-        <p:txBody>
-          <a:bodyPr rtlCol="0" anchor="ctr"/>
-          <a:lstStyle/>
-          <a:p>
-            <a:pPr algn="ctr"/>
-            <a:r>
-              <a:rPr lang="en-US" sz="2800" dirty="0"/>
-              <a:t>4</a:t>
-            </a:r>
-          </a:p>
-        </p:txBody>
-      </p:sp>
-      <p:sp>
-        <p:nvSpPr>
-          <p:cNvPr id="18" name="Content Placeholder 23">
-            <a:extLst>
-              <a:ext uri="{FF2B5EF4-FFF2-40B4-BE49-F238E27FC236}">
-                <a16:creationId xmlns:a16="http://schemas.microsoft.com/office/drawing/2014/main" id="{DA69766A-D53B-4563-8C69-A9564EFC21AB}"/>
+          <p:cNvPr id="2" name="Title 1">
+            <a:extLst>
+              <a:ext uri="{FF2B5EF4-FFF2-40B4-BE49-F238E27FC236}">
+                <a16:creationId xmlns:a16="http://schemas.microsoft.com/office/drawing/2014/main" id="{EB1B641B-1960-4C91-8FC1-4A8E3BB0DC0F}"/>
+              </a:ext>
+            </a:extLst>
+          </p:cNvPr>
+          <p:cNvSpPr>
+            <a:spLocks noGrp="1"/>
+          </p:cNvSpPr>
+          <p:nvPr>
+            <p:ph type="title"/>
+          </p:nvPr>
+        </p:nvSpPr>
+        <p:spPr/>
+        <p:txBody>
+          <a:bodyPr/>
+          <a:lstStyle/>
+          <a:p>
+            <a:r>
+              <a:rPr lang="en-US" dirty="0"/>
+              <a:t>Point-to-Point Costs (Time – </a:t>
+            </a:r>
+            <a:r>
+              <a:rPr lang="en-US" dirty="0" err="1"/>
+              <a:t>Hr:Min</a:t>
+            </a:r>
+            <a:r>
+              <a:rPr lang="en-US" dirty="0"/>
+              <a:t>)</a:t>
+            </a:r>
+          </a:p>
+        </p:txBody>
+      </p:sp>
+      <p:sp>
+        <p:nvSpPr>
+          <p:cNvPr id="3" name="Content Placeholder 2">
+            <a:extLst>
+              <a:ext uri="{FF2B5EF4-FFF2-40B4-BE49-F238E27FC236}">
+                <a16:creationId xmlns:a16="http://schemas.microsoft.com/office/drawing/2014/main" id="{2A49818B-0FD6-4F87-8F9B-227FF9B7E913}"/>
+              </a:ext>
+            </a:extLst>
+          </p:cNvPr>
+          <p:cNvSpPr>
+            <a:spLocks noGrp="1"/>
+          </p:cNvSpPr>
+          <p:nvPr>
+            <p:ph idx="1"/>
+          </p:nvPr>
+        </p:nvSpPr>
+        <p:spPr/>
+        <p:txBody>
+          <a:bodyPr>
+            <a:normAutofit fontScale="62500" lnSpcReduction="20000"/>
+          </a:bodyPr>
+          <a:lstStyle/>
+          <a:p>
+            <a:r>
+              <a:rPr lang="en-US" dirty="0"/>
+              <a:t>SEA – SF (SF – SEA)</a:t>
+            </a:r>
+          </a:p>
+          <a:p>
+            <a:pPr lvl="1"/>
+            <a:r>
+              <a:rPr lang="en-US" dirty="0"/>
+              <a:t>2:05, 2:05</a:t>
+            </a:r>
+          </a:p>
+          <a:p>
+            <a:r>
+              <a:rPr lang="en-US" dirty="0"/>
+              <a:t>SEA – Reno</a:t>
+            </a:r>
+          </a:p>
+          <a:p>
+            <a:pPr lvl="1"/>
+            <a:r>
+              <a:rPr lang="en-US" dirty="0"/>
+              <a:t>1:40, 1:50</a:t>
+            </a:r>
+          </a:p>
+          <a:p>
+            <a:r>
+              <a:rPr lang="en-US" dirty="0"/>
+              <a:t>SEA – SLC</a:t>
+            </a:r>
+          </a:p>
+          <a:p>
+            <a:pPr lvl="1"/>
+            <a:r>
+              <a:rPr lang="en-US" dirty="0"/>
+              <a:t>1:55, 2:10</a:t>
+            </a:r>
+          </a:p>
+          <a:p>
+            <a:r>
+              <a:rPr lang="en-US" dirty="0"/>
+              <a:t>Reno – SF</a:t>
+            </a:r>
+          </a:p>
+          <a:p>
+            <a:pPr lvl="1"/>
+            <a:r>
+              <a:rPr lang="en-US" dirty="0"/>
+              <a:t>1:15, 1:00</a:t>
+            </a:r>
+          </a:p>
+          <a:p>
+            <a:r>
+              <a:rPr lang="en-US" dirty="0"/>
+              <a:t>Reno – LV</a:t>
+            </a:r>
+          </a:p>
+          <a:p>
+            <a:pPr lvl="1"/>
+            <a:r>
+              <a:rPr lang="en-US" dirty="0"/>
+              <a:t>1:10, 1:20</a:t>
+            </a:r>
+          </a:p>
+          <a:p>
+            <a:r>
+              <a:rPr lang="en-US" dirty="0"/>
+              <a:t>LA – LV</a:t>
+            </a:r>
+          </a:p>
+          <a:p>
+            <a:pPr lvl="1"/>
+            <a:r>
+              <a:rPr lang="en-US" dirty="0"/>
+              <a:t>1:05, 1:05</a:t>
+            </a:r>
+          </a:p>
+          <a:p>
+            <a:r>
+              <a:rPr lang="en-US" dirty="0"/>
+              <a:t>SLC – LV</a:t>
+            </a:r>
+          </a:p>
+          <a:p>
+            <a:pPr lvl="1"/>
+            <a:r>
+              <a:rPr lang="en-US" dirty="0"/>
+              <a:t>1:20, 1:15</a:t>
+            </a:r>
+          </a:p>
+          <a:p>
+            <a:r>
+              <a:rPr lang="en-US" dirty="0"/>
+              <a:t>LA – SF</a:t>
+            </a:r>
+          </a:p>
+          <a:p>
+            <a:pPr lvl="1"/>
+            <a:r>
+              <a:rPr lang="en-US" dirty="0"/>
+              <a:t>1:20, 1:20</a:t>
+            </a:r>
+          </a:p>
+          <a:p>
+            <a:pPr lvl="1"/>
+            <a:endParaRPr lang="en-US" dirty="0"/>
+          </a:p>
+        </p:txBody>
+      </p:sp>
+      <p:sp>
+        <p:nvSpPr>
+          <p:cNvPr id="5" name="Content Placeholder 23">
+            <a:extLst>
+              <a:ext uri="{FF2B5EF4-FFF2-40B4-BE49-F238E27FC236}">
+                <a16:creationId xmlns:a16="http://schemas.microsoft.com/office/drawing/2014/main" id="{10651A67-5CD0-42C8-96DD-C3FE1AB094D1}"/>
               </a:ext>
             </a:extLst>
           </p:cNvPr>
@@ -5993,7 +6350,7 @@
         </p:nvSpPr>
         <p:spPr>
           <a:xfrm>
-            <a:off x="134198" y="213498"/>
+            <a:off x="5040262" y="2252662"/>
             <a:ext cx="4220028" cy="4351338"/>
           </a:xfrm>
           <a:prstGeom prst="rect">
@@ -6199,998 +6556,17 @@
           <a:p>
             <a:r>
               <a:rPr lang="en-US" dirty="0"/>
-              <a:t>Boise = 6</a:t>
-            </a:r>
-          </a:p>
-          <a:p>
-            <a:r>
-              <a:rPr lang="en-US" dirty="0"/>
-              <a:t>Seattle = 7</a:t>
-            </a:r>
-          </a:p>
-        </p:txBody>
-      </p:sp>
-      <p:cxnSp>
-        <p:nvCxnSpPr>
-          <p:cNvPr id="28" name="Straight Arrow Connector 27">
-            <a:extLst>
-              <a:ext uri="{FF2B5EF4-FFF2-40B4-BE49-F238E27FC236}">
-                <a16:creationId xmlns:a16="http://schemas.microsoft.com/office/drawing/2014/main" id="{A7006B30-1FAB-4536-AB34-801EB63FDFD1}"/>
-              </a:ext>
-            </a:extLst>
-          </p:cNvPr>
-          <p:cNvCxnSpPr>
-            <a:cxnSpLocks/>
-          </p:cNvCxnSpPr>
-          <p:nvPr/>
-        </p:nvCxnSpPr>
-        <p:spPr>
-          <a:xfrm flipV="1">
-            <a:off x="5233137" y="4222232"/>
-            <a:ext cx="613126" cy="304262"/>
-          </a:xfrm>
-          <a:prstGeom prst="straightConnector1">
-            <a:avLst/>
-          </a:prstGeom>
-          <a:ln w="57150">
-            <a:tailEnd type="triangle"/>
-          </a:ln>
-        </p:spPr>
-        <p:style>
-          <a:lnRef idx="3">
-            <a:schemeClr val="accent1"/>
-          </a:lnRef>
-          <a:fillRef idx="0">
-            <a:schemeClr val="accent1"/>
-          </a:fillRef>
-          <a:effectRef idx="2">
-            <a:schemeClr val="accent1"/>
-          </a:effectRef>
-          <a:fontRef idx="minor">
-            <a:schemeClr val="tx1"/>
-          </a:fontRef>
-        </p:style>
-      </p:cxnSp>
-      <p:cxnSp>
-        <p:nvCxnSpPr>
-          <p:cNvPr id="29" name="Straight Arrow Connector 28">
-            <a:extLst>
-              <a:ext uri="{FF2B5EF4-FFF2-40B4-BE49-F238E27FC236}">
-                <a16:creationId xmlns:a16="http://schemas.microsoft.com/office/drawing/2014/main" id="{424908E8-4414-46ED-830C-98D76FB7135D}"/>
-              </a:ext>
-            </a:extLst>
-          </p:cNvPr>
-          <p:cNvCxnSpPr>
-            <a:cxnSpLocks/>
-          </p:cNvCxnSpPr>
-          <p:nvPr/>
-        </p:nvCxnSpPr>
-        <p:spPr>
-          <a:xfrm flipV="1">
-            <a:off x="5302659" y="4357142"/>
-            <a:ext cx="613126" cy="304262"/>
-          </a:xfrm>
-          <a:prstGeom prst="straightConnector1">
-            <a:avLst/>
-          </a:prstGeom>
-          <a:ln w="57150">
-            <a:headEnd type="triangle" w="med" len="med"/>
-            <a:tailEnd type="none" w="med" len="med"/>
-          </a:ln>
-        </p:spPr>
-        <p:style>
-          <a:lnRef idx="3">
-            <a:schemeClr val="accent1"/>
-          </a:lnRef>
-          <a:fillRef idx="0">
-            <a:schemeClr val="accent1"/>
-          </a:fillRef>
-          <a:effectRef idx="2">
-            <a:schemeClr val="accent1"/>
-          </a:effectRef>
-          <a:fontRef idx="minor">
-            <a:schemeClr val="tx1"/>
-          </a:fontRef>
-        </p:style>
-      </p:cxnSp>
-      <p:cxnSp>
-        <p:nvCxnSpPr>
-          <p:cNvPr id="30" name="Straight Arrow Connector 29">
-            <a:extLst>
-              <a:ext uri="{FF2B5EF4-FFF2-40B4-BE49-F238E27FC236}">
-                <a16:creationId xmlns:a16="http://schemas.microsoft.com/office/drawing/2014/main" id="{E0E0DB10-64A1-4409-A598-3F447D47AC79}"/>
-              </a:ext>
-            </a:extLst>
-          </p:cNvPr>
-          <p:cNvCxnSpPr>
-            <a:cxnSpLocks/>
-          </p:cNvCxnSpPr>
-          <p:nvPr/>
-        </p:nvCxnSpPr>
-        <p:spPr>
-          <a:xfrm flipV="1">
-            <a:off x="4150088" y="4831563"/>
-            <a:ext cx="613126" cy="304262"/>
-          </a:xfrm>
-          <a:prstGeom prst="straightConnector1">
-            <a:avLst/>
-          </a:prstGeom>
-          <a:ln w="57150">
-            <a:tailEnd type="triangle"/>
-          </a:ln>
-        </p:spPr>
-        <p:style>
-          <a:lnRef idx="3">
-            <a:schemeClr val="accent1"/>
-          </a:lnRef>
-          <a:fillRef idx="0">
-            <a:schemeClr val="accent1"/>
-          </a:fillRef>
-          <a:effectRef idx="2">
-            <a:schemeClr val="accent1"/>
-          </a:effectRef>
-          <a:fontRef idx="minor">
-            <a:schemeClr val="tx1"/>
-          </a:fontRef>
-        </p:style>
-      </p:cxnSp>
-      <p:cxnSp>
-        <p:nvCxnSpPr>
-          <p:cNvPr id="31" name="Straight Arrow Connector 30">
-            <a:extLst>
-              <a:ext uri="{FF2B5EF4-FFF2-40B4-BE49-F238E27FC236}">
-                <a16:creationId xmlns:a16="http://schemas.microsoft.com/office/drawing/2014/main" id="{59A4B133-4F49-47FB-86FE-6EAD47013C60}"/>
-              </a:ext>
-            </a:extLst>
-          </p:cNvPr>
-          <p:cNvCxnSpPr>
-            <a:cxnSpLocks/>
-          </p:cNvCxnSpPr>
-          <p:nvPr/>
-        </p:nvCxnSpPr>
-        <p:spPr>
-          <a:xfrm flipV="1">
-            <a:off x="4219610" y="4966473"/>
-            <a:ext cx="613126" cy="304262"/>
-          </a:xfrm>
-          <a:prstGeom prst="straightConnector1">
-            <a:avLst/>
-          </a:prstGeom>
-          <a:ln w="57150">
-            <a:headEnd type="triangle" w="med" len="med"/>
-            <a:tailEnd type="none" w="med" len="med"/>
-          </a:ln>
-        </p:spPr>
-        <p:style>
-          <a:lnRef idx="3">
-            <a:schemeClr val="accent1"/>
-          </a:lnRef>
-          <a:fillRef idx="0">
-            <a:schemeClr val="accent1"/>
-          </a:fillRef>
-          <a:effectRef idx="2">
-            <a:schemeClr val="accent1"/>
-          </a:effectRef>
-          <a:fontRef idx="minor">
-            <a:schemeClr val="tx1"/>
-          </a:fontRef>
-        </p:style>
-      </p:cxnSp>
-      <p:cxnSp>
-        <p:nvCxnSpPr>
-          <p:cNvPr id="33" name="Straight Arrow Connector 32">
-            <a:extLst>
-              <a:ext uri="{FF2B5EF4-FFF2-40B4-BE49-F238E27FC236}">
-                <a16:creationId xmlns:a16="http://schemas.microsoft.com/office/drawing/2014/main" id="{5743657F-9FC5-40E1-BF86-1B174057E775}"/>
-              </a:ext>
-            </a:extLst>
-          </p:cNvPr>
-          <p:cNvCxnSpPr/>
-          <p:nvPr/>
-        </p:nvCxnSpPr>
-        <p:spPr>
-          <a:xfrm flipH="1" flipV="1">
-            <a:off x="4011683" y="3417846"/>
-            <a:ext cx="820316" cy="956517"/>
-          </a:xfrm>
-          <a:prstGeom prst="straightConnector1">
-            <a:avLst/>
-          </a:prstGeom>
-          <a:ln w="57150">
-            <a:tailEnd type="triangle"/>
-          </a:ln>
-        </p:spPr>
-        <p:style>
-          <a:lnRef idx="1">
-            <a:schemeClr val="accent1"/>
-          </a:lnRef>
-          <a:fillRef idx="0">
-            <a:schemeClr val="accent1"/>
-          </a:fillRef>
-          <a:effectRef idx="0">
-            <a:schemeClr val="accent1"/>
-          </a:effectRef>
-          <a:fontRef idx="minor">
-            <a:schemeClr val="tx1"/>
-          </a:fontRef>
-        </p:style>
-      </p:cxnSp>
-      <p:cxnSp>
-        <p:nvCxnSpPr>
-          <p:cNvPr id="34" name="Straight Arrow Connector 33">
-            <a:extLst>
-              <a:ext uri="{FF2B5EF4-FFF2-40B4-BE49-F238E27FC236}">
-                <a16:creationId xmlns:a16="http://schemas.microsoft.com/office/drawing/2014/main" id="{1346336A-6200-4BB0-9EEF-87D44D49C929}"/>
-              </a:ext>
-            </a:extLst>
-          </p:cNvPr>
-          <p:cNvCxnSpPr/>
-          <p:nvPr/>
-        </p:nvCxnSpPr>
-        <p:spPr>
-          <a:xfrm flipH="1" flipV="1">
-            <a:off x="3904402" y="3485301"/>
-            <a:ext cx="820316" cy="956517"/>
-          </a:xfrm>
-          <a:prstGeom prst="straightConnector1">
-            <a:avLst/>
-          </a:prstGeom>
-          <a:ln w="57150">
-            <a:headEnd type="triangle" w="med" len="med"/>
-            <a:tailEnd type="none" w="med" len="med"/>
-          </a:ln>
-        </p:spPr>
-        <p:style>
-          <a:lnRef idx="1">
-            <a:schemeClr val="accent1"/>
-          </a:lnRef>
-          <a:fillRef idx="0">
-            <a:schemeClr val="accent1"/>
-          </a:fillRef>
-          <a:effectRef idx="0">
-            <a:schemeClr val="accent1"/>
-          </a:effectRef>
-          <a:fontRef idx="minor">
-            <a:schemeClr val="tx1"/>
-          </a:fontRef>
-        </p:style>
-      </p:cxnSp>
-      <p:cxnSp>
-        <p:nvCxnSpPr>
-          <p:cNvPr id="32" name="Straight Arrow Connector 31">
-            <a:extLst>
-              <a:ext uri="{FF2B5EF4-FFF2-40B4-BE49-F238E27FC236}">
-                <a16:creationId xmlns:a16="http://schemas.microsoft.com/office/drawing/2014/main" id="{9C84C7A4-46F9-4BD1-BE7F-0124728E9F63}"/>
-              </a:ext>
-            </a:extLst>
-          </p:cNvPr>
-          <p:cNvCxnSpPr>
-            <a:cxnSpLocks/>
-          </p:cNvCxnSpPr>
-          <p:nvPr/>
-        </p:nvCxnSpPr>
-        <p:spPr>
-          <a:xfrm flipH="1" flipV="1">
-            <a:off x="2772229" y="3899942"/>
-            <a:ext cx="1952489" cy="609331"/>
-          </a:xfrm>
-          <a:prstGeom prst="straightConnector1">
-            <a:avLst/>
-          </a:prstGeom>
-          <a:ln w="57150">
-            <a:tailEnd type="triangle"/>
-          </a:ln>
-        </p:spPr>
-        <p:style>
-          <a:lnRef idx="1">
-            <a:schemeClr val="accent1"/>
-          </a:lnRef>
-          <a:fillRef idx="0">
-            <a:schemeClr val="accent1"/>
-          </a:fillRef>
-          <a:effectRef idx="0">
-            <a:schemeClr val="accent1"/>
-          </a:effectRef>
-          <a:fontRef idx="minor">
-            <a:schemeClr val="tx1"/>
-          </a:fontRef>
-        </p:style>
-      </p:cxnSp>
-      <p:cxnSp>
-        <p:nvCxnSpPr>
-          <p:cNvPr id="39" name="Straight Arrow Connector 38">
-            <a:extLst>
-              <a:ext uri="{FF2B5EF4-FFF2-40B4-BE49-F238E27FC236}">
-                <a16:creationId xmlns:a16="http://schemas.microsoft.com/office/drawing/2014/main" id="{2FEFFF9D-5F52-4FB2-98E6-0F712EC7254B}"/>
-              </a:ext>
-            </a:extLst>
-          </p:cNvPr>
-          <p:cNvCxnSpPr>
-            <a:cxnSpLocks/>
-          </p:cNvCxnSpPr>
-          <p:nvPr/>
-        </p:nvCxnSpPr>
-        <p:spPr>
-          <a:xfrm flipH="1" flipV="1">
-            <a:off x="2670424" y="4055553"/>
-            <a:ext cx="2054294" cy="605851"/>
-          </a:xfrm>
-          <a:prstGeom prst="straightConnector1">
-            <a:avLst/>
-          </a:prstGeom>
-          <a:ln w="57150">
-            <a:headEnd type="triangle" w="med" len="med"/>
-            <a:tailEnd type="none" w="med" len="med"/>
-          </a:ln>
-        </p:spPr>
-        <p:style>
-          <a:lnRef idx="1">
-            <a:schemeClr val="accent1"/>
-          </a:lnRef>
-          <a:fillRef idx="0">
-            <a:schemeClr val="accent1"/>
-          </a:fillRef>
-          <a:effectRef idx="0">
-            <a:schemeClr val="accent1"/>
-          </a:effectRef>
-          <a:fontRef idx="minor">
-            <a:schemeClr val="tx1"/>
-          </a:fontRef>
-        </p:style>
-      </p:cxnSp>
-      <p:cxnSp>
-        <p:nvCxnSpPr>
-          <p:cNvPr id="42" name="Straight Arrow Connector 41">
-            <a:extLst>
-              <a:ext uri="{FF2B5EF4-FFF2-40B4-BE49-F238E27FC236}">
-                <a16:creationId xmlns:a16="http://schemas.microsoft.com/office/drawing/2014/main" id="{D8DF0248-44DC-4B41-9A20-A68619435C90}"/>
-              </a:ext>
-            </a:extLst>
-          </p:cNvPr>
-          <p:cNvCxnSpPr>
-            <a:cxnSpLocks/>
-          </p:cNvCxnSpPr>
-          <p:nvPr/>
-        </p:nvCxnSpPr>
-        <p:spPr>
-          <a:xfrm flipV="1">
-            <a:off x="5121866" y="2961538"/>
-            <a:ext cx="329606" cy="1412825"/>
-          </a:xfrm>
-          <a:prstGeom prst="straightConnector1">
-            <a:avLst/>
-          </a:prstGeom>
-          <a:ln w="57150">
-            <a:tailEnd type="triangle"/>
-          </a:ln>
-        </p:spPr>
-        <p:style>
-          <a:lnRef idx="1">
-            <a:schemeClr val="accent1"/>
-          </a:lnRef>
-          <a:fillRef idx="0">
-            <a:schemeClr val="accent1"/>
-          </a:fillRef>
-          <a:effectRef idx="0">
-            <a:schemeClr val="accent1"/>
-          </a:effectRef>
-          <a:fontRef idx="minor">
-            <a:schemeClr val="tx1"/>
-          </a:fontRef>
-        </p:style>
-      </p:cxnSp>
-      <p:cxnSp>
-        <p:nvCxnSpPr>
-          <p:cNvPr id="43" name="Straight Arrow Connector 42">
-            <a:extLst>
-              <a:ext uri="{FF2B5EF4-FFF2-40B4-BE49-F238E27FC236}">
-                <a16:creationId xmlns:a16="http://schemas.microsoft.com/office/drawing/2014/main" id="{4AFC72AF-3AFC-4AC9-B6B7-03251C927A95}"/>
-              </a:ext>
-            </a:extLst>
-          </p:cNvPr>
-          <p:cNvCxnSpPr>
-            <a:cxnSpLocks/>
-          </p:cNvCxnSpPr>
-          <p:nvPr/>
-        </p:nvCxnSpPr>
-        <p:spPr>
-          <a:xfrm flipV="1">
-            <a:off x="5007429" y="2975280"/>
-            <a:ext cx="306157" cy="1399083"/>
-          </a:xfrm>
-          <a:prstGeom prst="straightConnector1">
-            <a:avLst/>
-          </a:prstGeom>
-          <a:ln w="57150">
-            <a:headEnd type="triangle" w="med" len="med"/>
-            <a:tailEnd type="none" w="med" len="med"/>
-          </a:ln>
-        </p:spPr>
-        <p:style>
-          <a:lnRef idx="1">
-            <a:schemeClr val="accent1"/>
-          </a:lnRef>
-          <a:fillRef idx="0">
-            <a:schemeClr val="accent1"/>
-          </a:fillRef>
-          <a:effectRef idx="0">
-            <a:schemeClr val="accent1"/>
-          </a:effectRef>
-          <a:fontRef idx="minor">
-            <a:schemeClr val="tx1"/>
-          </a:fontRef>
-        </p:style>
-      </p:cxnSp>
-      <p:cxnSp>
-        <p:nvCxnSpPr>
-          <p:cNvPr id="44" name="Straight Arrow Connector 43">
-            <a:extLst>
-              <a:ext uri="{FF2B5EF4-FFF2-40B4-BE49-F238E27FC236}">
-                <a16:creationId xmlns:a16="http://schemas.microsoft.com/office/drawing/2014/main" id="{2DB6DE70-830B-4640-B33E-4CF1E403B8E9}"/>
-              </a:ext>
-            </a:extLst>
-          </p:cNvPr>
-          <p:cNvCxnSpPr>
-            <a:cxnSpLocks/>
-          </p:cNvCxnSpPr>
-          <p:nvPr/>
-        </p:nvCxnSpPr>
-        <p:spPr>
-          <a:xfrm flipH="1" flipV="1">
-            <a:off x="3904402" y="1104660"/>
-            <a:ext cx="900405" cy="3065284"/>
-          </a:xfrm>
-          <a:prstGeom prst="straightConnector1">
-            <a:avLst/>
-          </a:prstGeom>
-          <a:ln w="57150">
-            <a:headEnd type="triangle" w="med" len="med"/>
-            <a:tailEnd type="none" w="med" len="med"/>
-          </a:ln>
-        </p:spPr>
-        <p:style>
-          <a:lnRef idx="1">
-            <a:schemeClr val="accent1"/>
-          </a:lnRef>
-          <a:fillRef idx="0">
-            <a:schemeClr val="accent1"/>
-          </a:fillRef>
-          <a:effectRef idx="0">
-            <a:schemeClr val="accent1"/>
-          </a:effectRef>
-          <a:fontRef idx="minor">
-            <a:schemeClr val="tx1"/>
-          </a:fontRef>
-        </p:style>
-      </p:cxnSp>
-      <p:cxnSp>
-        <p:nvCxnSpPr>
-          <p:cNvPr id="48" name="Straight Arrow Connector 47">
-            <a:extLst>
-              <a:ext uri="{FF2B5EF4-FFF2-40B4-BE49-F238E27FC236}">
-                <a16:creationId xmlns:a16="http://schemas.microsoft.com/office/drawing/2014/main" id="{5F7B565F-77A6-4033-B7B8-52F0DBFA444A}"/>
-              </a:ext>
-            </a:extLst>
-          </p:cNvPr>
-          <p:cNvCxnSpPr>
-            <a:cxnSpLocks/>
-          </p:cNvCxnSpPr>
-          <p:nvPr/>
-        </p:nvCxnSpPr>
-        <p:spPr>
-          <a:xfrm flipH="1" flipV="1">
-            <a:off x="4060561" y="1037322"/>
-            <a:ext cx="839587" cy="3091220"/>
-          </a:xfrm>
-          <a:prstGeom prst="straightConnector1">
-            <a:avLst/>
-          </a:prstGeom>
-          <a:ln w="57150">
-            <a:headEnd type="none" w="med" len="med"/>
-            <a:tailEnd type="triangle" w="med" len="med"/>
-          </a:ln>
-        </p:spPr>
-        <p:style>
-          <a:lnRef idx="1">
-            <a:schemeClr val="accent1"/>
-          </a:lnRef>
-          <a:fillRef idx="0">
-            <a:schemeClr val="accent1"/>
-          </a:fillRef>
-          <a:effectRef idx="0">
-            <a:schemeClr val="accent1"/>
-          </a:effectRef>
-          <a:fontRef idx="minor">
-            <a:schemeClr val="tx1"/>
-          </a:fontRef>
-        </p:style>
-      </p:cxnSp>
-      <p:sp>
-        <p:nvSpPr>
-          <p:cNvPr id="46" name="TextBox 45">
-            <a:extLst>
-              <a:ext uri="{FF2B5EF4-FFF2-40B4-BE49-F238E27FC236}">
-                <a16:creationId xmlns:a16="http://schemas.microsoft.com/office/drawing/2014/main" id="{3D91861C-9B62-4671-8B80-47B4418C128D}"/>
-              </a:ext>
-            </a:extLst>
-          </p:cNvPr>
-          <p:cNvSpPr txBox="1"/>
-          <p:nvPr/>
-        </p:nvSpPr>
-        <p:spPr>
-          <a:xfrm>
-            <a:off x="4372532" y="5101383"/>
-            <a:ext cx="613126" cy="400110"/>
-          </a:xfrm>
-          <a:prstGeom prst="rect">
-            <a:avLst/>
-          </a:prstGeom>
-          <a:noFill/>
-        </p:spPr>
-        <p:txBody>
-          <a:bodyPr wrap="square" rtlCol="0">
-            <a:spAutoFit/>
-          </a:bodyPr>
-          <a:lstStyle/>
-          <a:p>
-            <a:pPr algn="ctr"/>
-            <a:r>
-              <a:rPr lang="en-US" sz="2000" dirty="0">
-                <a:solidFill>
-                  <a:srgbClr val="00B050"/>
-                </a:solidFill>
-              </a:rPr>
-              <a:t>1</a:t>
-            </a:r>
-          </a:p>
-        </p:txBody>
-      </p:sp>
-      <p:sp>
-        <p:nvSpPr>
-          <p:cNvPr id="51" name="TextBox 50">
-            <a:extLst>
-              <a:ext uri="{FF2B5EF4-FFF2-40B4-BE49-F238E27FC236}">
-                <a16:creationId xmlns:a16="http://schemas.microsoft.com/office/drawing/2014/main" id="{EDFF9B35-B036-469D-94FE-ABD90967A04F}"/>
-              </a:ext>
-            </a:extLst>
-          </p:cNvPr>
-          <p:cNvSpPr txBox="1"/>
-          <p:nvPr/>
-        </p:nvSpPr>
-        <p:spPr>
-          <a:xfrm>
-            <a:off x="3989508" y="4656404"/>
-            <a:ext cx="613126" cy="400110"/>
-          </a:xfrm>
-          <a:prstGeom prst="rect">
-            <a:avLst/>
-          </a:prstGeom>
-          <a:noFill/>
-        </p:spPr>
-        <p:txBody>
-          <a:bodyPr wrap="square" rtlCol="0">
-            <a:spAutoFit/>
-          </a:bodyPr>
-          <a:lstStyle/>
-          <a:p>
-            <a:pPr algn="ctr"/>
-            <a:r>
-              <a:rPr lang="en-US" sz="2000" dirty="0">
-                <a:solidFill>
-                  <a:srgbClr val="00B050"/>
-                </a:solidFill>
-              </a:rPr>
-              <a:t>2</a:t>
-            </a:r>
-          </a:p>
-        </p:txBody>
-      </p:sp>
-      <p:sp>
-        <p:nvSpPr>
-          <p:cNvPr id="52" name="TextBox 51">
-            <a:extLst>
-              <a:ext uri="{FF2B5EF4-FFF2-40B4-BE49-F238E27FC236}">
-                <a16:creationId xmlns:a16="http://schemas.microsoft.com/office/drawing/2014/main" id="{C2275F45-3691-4791-90F7-9C5CF708C835}"/>
-              </a:ext>
-            </a:extLst>
-          </p:cNvPr>
-          <p:cNvSpPr txBox="1"/>
-          <p:nvPr/>
-        </p:nvSpPr>
-        <p:spPr>
-          <a:xfrm>
-            <a:off x="3115846" y="4306718"/>
-            <a:ext cx="613126" cy="400110"/>
-          </a:xfrm>
-          <a:prstGeom prst="rect">
-            <a:avLst/>
-          </a:prstGeom>
-          <a:noFill/>
-        </p:spPr>
-        <p:txBody>
-          <a:bodyPr wrap="square" rtlCol="0">
-            <a:spAutoFit/>
-          </a:bodyPr>
-          <a:lstStyle/>
-          <a:p>
-            <a:pPr algn="ctr"/>
-            <a:r>
-              <a:rPr lang="en-US" sz="2000" dirty="0">
-                <a:solidFill>
-                  <a:srgbClr val="00B050"/>
-                </a:solidFill>
-              </a:rPr>
-              <a:t>3</a:t>
-            </a:r>
-          </a:p>
-        </p:txBody>
-      </p:sp>
-      <p:sp>
-        <p:nvSpPr>
-          <p:cNvPr id="53" name="TextBox 52">
-            <a:extLst>
-              <a:ext uri="{FF2B5EF4-FFF2-40B4-BE49-F238E27FC236}">
-                <a16:creationId xmlns:a16="http://schemas.microsoft.com/office/drawing/2014/main" id="{5A976737-FAB1-4431-AF36-AA43AB3F2C76}"/>
-              </a:ext>
-            </a:extLst>
-          </p:cNvPr>
-          <p:cNvSpPr txBox="1"/>
-          <p:nvPr/>
-        </p:nvSpPr>
-        <p:spPr>
-          <a:xfrm>
-            <a:off x="3330054" y="3728432"/>
-            <a:ext cx="613126" cy="400110"/>
-          </a:xfrm>
-          <a:prstGeom prst="rect">
-            <a:avLst/>
-          </a:prstGeom>
-          <a:noFill/>
-        </p:spPr>
-        <p:txBody>
-          <a:bodyPr wrap="square" rtlCol="0">
-            <a:spAutoFit/>
-          </a:bodyPr>
-          <a:lstStyle/>
-          <a:p>
-            <a:pPr algn="ctr"/>
-            <a:r>
-              <a:rPr lang="en-US" sz="2000" dirty="0">
-                <a:solidFill>
-                  <a:srgbClr val="00B050"/>
-                </a:solidFill>
-              </a:rPr>
-              <a:t>4</a:t>
-            </a:r>
-          </a:p>
-        </p:txBody>
-      </p:sp>
-      <p:sp>
-        <p:nvSpPr>
-          <p:cNvPr id="54" name="TextBox 53">
-            <a:extLst>
-              <a:ext uri="{FF2B5EF4-FFF2-40B4-BE49-F238E27FC236}">
-                <a16:creationId xmlns:a16="http://schemas.microsoft.com/office/drawing/2014/main" id="{D56E9472-28F7-4FF0-850F-478F80AA9C0D}"/>
-              </a:ext>
-            </a:extLst>
-          </p:cNvPr>
-          <p:cNvSpPr txBox="1"/>
-          <p:nvPr/>
-        </p:nvSpPr>
-        <p:spPr>
-          <a:xfrm>
-            <a:off x="3818646" y="3836904"/>
-            <a:ext cx="613126" cy="400110"/>
-          </a:xfrm>
-          <a:prstGeom prst="rect">
-            <a:avLst/>
-          </a:prstGeom>
-          <a:noFill/>
-        </p:spPr>
-        <p:txBody>
-          <a:bodyPr wrap="square" rtlCol="0">
-            <a:spAutoFit/>
-          </a:bodyPr>
-          <a:lstStyle/>
-          <a:p>
-            <a:pPr algn="ctr"/>
-            <a:r>
-              <a:rPr lang="en-US" sz="2000" dirty="0">
-                <a:solidFill>
-                  <a:srgbClr val="00B050"/>
-                </a:solidFill>
-              </a:rPr>
-              <a:t>5</a:t>
-            </a:r>
-          </a:p>
-        </p:txBody>
-      </p:sp>
-      <p:sp>
-        <p:nvSpPr>
-          <p:cNvPr id="55" name="TextBox 54">
-            <a:extLst>
-              <a:ext uri="{FF2B5EF4-FFF2-40B4-BE49-F238E27FC236}">
-                <a16:creationId xmlns:a16="http://schemas.microsoft.com/office/drawing/2014/main" id="{1CD71E60-39B1-4BAF-A5AA-1BFC3336B037}"/>
-              </a:ext>
-            </a:extLst>
-          </p:cNvPr>
-          <p:cNvSpPr txBox="1"/>
-          <p:nvPr/>
-        </p:nvSpPr>
-        <p:spPr>
-          <a:xfrm>
-            <a:off x="4032706" y="3389354"/>
-            <a:ext cx="613126" cy="400110"/>
-          </a:xfrm>
-          <a:prstGeom prst="rect">
-            <a:avLst/>
-          </a:prstGeom>
-          <a:noFill/>
-        </p:spPr>
-        <p:txBody>
-          <a:bodyPr wrap="square" rtlCol="0">
-            <a:spAutoFit/>
-          </a:bodyPr>
-          <a:lstStyle/>
-          <a:p>
-            <a:pPr algn="ctr"/>
-            <a:r>
-              <a:rPr lang="en-US" sz="2000" dirty="0">
-                <a:solidFill>
-                  <a:srgbClr val="00B050"/>
-                </a:solidFill>
-              </a:rPr>
-              <a:t>6</a:t>
-            </a:r>
-          </a:p>
-        </p:txBody>
-      </p:sp>
-      <p:sp>
-        <p:nvSpPr>
-          <p:cNvPr id="56" name="TextBox 55">
-            <a:extLst>
-              <a:ext uri="{FF2B5EF4-FFF2-40B4-BE49-F238E27FC236}">
-                <a16:creationId xmlns:a16="http://schemas.microsoft.com/office/drawing/2014/main" id="{49AB86F1-CB67-49C3-82BF-05EAA196A1DC}"/>
-              </a:ext>
-            </a:extLst>
-          </p:cNvPr>
-          <p:cNvSpPr txBox="1"/>
-          <p:nvPr/>
-        </p:nvSpPr>
-        <p:spPr>
-          <a:xfrm>
-            <a:off x="3812793" y="2436774"/>
-            <a:ext cx="613126" cy="400110"/>
-          </a:xfrm>
-          <a:prstGeom prst="rect">
-            <a:avLst/>
-          </a:prstGeom>
-          <a:noFill/>
-        </p:spPr>
-        <p:txBody>
-          <a:bodyPr wrap="square" rtlCol="0">
-            <a:spAutoFit/>
-          </a:bodyPr>
-          <a:lstStyle/>
-          <a:p>
-            <a:pPr algn="ctr"/>
-            <a:r>
-              <a:rPr lang="en-US" sz="2000" dirty="0">
-                <a:solidFill>
-                  <a:srgbClr val="00B050"/>
-                </a:solidFill>
-              </a:rPr>
-              <a:t>7</a:t>
-            </a:r>
-          </a:p>
-        </p:txBody>
-      </p:sp>
-      <p:sp>
-        <p:nvSpPr>
-          <p:cNvPr id="57" name="TextBox 56">
-            <a:extLst>
-              <a:ext uri="{FF2B5EF4-FFF2-40B4-BE49-F238E27FC236}">
-                <a16:creationId xmlns:a16="http://schemas.microsoft.com/office/drawing/2014/main" id="{EBDD2EF9-0C76-43C1-BDA1-3E1399AAAC02}"/>
-              </a:ext>
-            </a:extLst>
-          </p:cNvPr>
-          <p:cNvSpPr txBox="1"/>
-          <p:nvPr/>
-        </p:nvSpPr>
-        <p:spPr>
-          <a:xfrm>
-            <a:off x="4277437" y="1970207"/>
-            <a:ext cx="613126" cy="400110"/>
-          </a:xfrm>
-          <a:prstGeom prst="rect">
-            <a:avLst/>
-          </a:prstGeom>
-          <a:noFill/>
-        </p:spPr>
-        <p:txBody>
-          <a:bodyPr wrap="square" rtlCol="0">
-            <a:spAutoFit/>
-          </a:bodyPr>
-          <a:lstStyle/>
-          <a:p>
-            <a:pPr algn="ctr"/>
-            <a:r>
-              <a:rPr lang="en-US" sz="2000" dirty="0">
-                <a:solidFill>
-                  <a:srgbClr val="00B050"/>
-                </a:solidFill>
-              </a:rPr>
-              <a:t>8</a:t>
-            </a:r>
-          </a:p>
-        </p:txBody>
-      </p:sp>
-      <p:sp>
-        <p:nvSpPr>
-          <p:cNvPr id="58" name="TextBox 57">
-            <a:extLst>
-              <a:ext uri="{FF2B5EF4-FFF2-40B4-BE49-F238E27FC236}">
-                <a16:creationId xmlns:a16="http://schemas.microsoft.com/office/drawing/2014/main" id="{CE785104-31A9-48CB-B21D-E13B2E76CF3F}"/>
-              </a:ext>
-            </a:extLst>
-          </p:cNvPr>
-          <p:cNvSpPr txBox="1"/>
-          <p:nvPr/>
-        </p:nvSpPr>
-        <p:spPr>
-          <a:xfrm>
-            <a:off x="4689682" y="3416848"/>
-            <a:ext cx="613126" cy="400110"/>
-          </a:xfrm>
-          <a:prstGeom prst="rect">
-            <a:avLst/>
-          </a:prstGeom>
-          <a:noFill/>
-        </p:spPr>
-        <p:txBody>
-          <a:bodyPr wrap="square" rtlCol="0">
-            <a:spAutoFit/>
-          </a:bodyPr>
-          <a:lstStyle/>
-          <a:p>
-            <a:pPr algn="ctr"/>
-            <a:r>
-              <a:rPr lang="en-US" sz="2000" dirty="0">
-                <a:solidFill>
-                  <a:srgbClr val="00B050"/>
-                </a:solidFill>
-              </a:rPr>
-              <a:t>9</a:t>
-            </a:r>
-          </a:p>
-        </p:txBody>
-      </p:sp>
-      <p:sp>
-        <p:nvSpPr>
-          <p:cNvPr id="59" name="TextBox 58">
-            <a:extLst>
-              <a:ext uri="{FF2B5EF4-FFF2-40B4-BE49-F238E27FC236}">
-                <a16:creationId xmlns:a16="http://schemas.microsoft.com/office/drawing/2014/main" id="{415F2E27-54FA-4EFC-AB11-A0CA605F114F}"/>
-              </a:ext>
-            </a:extLst>
-          </p:cNvPr>
-          <p:cNvSpPr txBox="1"/>
-          <p:nvPr/>
-        </p:nvSpPr>
-        <p:spPr>
-          <a:xfrm>
-            <a:off x="5195299" y="3336091"/>
-            <a:ext cx="613126" cy="400110"/>
-          </a:xfrm>
-          <a:prstGeom prst="rect">
-            <a:avLst/>
-          </a:prstGeom>
-          <a:noFill/>
-        </p:spPr>
-        <p:txBody>
-          <a:bodyPr wrap="square" rtlCol="0">
-            <a:spAutoFit/>
-          </a:bodyPr>
-          <a:lstStyle/>
-          <a:p>
-            <a:pPr algn="ctr"/>
-            <a:r>
-              <a:rPr lang="en-US" sz="2000" dirty="0">
-                <a:solidFill>
-                  <a:srgbClr val="00B050"/>
-                </a:solidFill>
-              </a:rPr>
-              <a:t>10</a:t>
-            </a:r>
-          </a:p>
-        </p:txBody>
-      </p:sp>
-      <p:sp>
-        <p:nvSpPr>
-          <p:cNvPr id="60" name="TextBox 59">
-            <a:extLst>
-              <a:ext uri="{FF2B5EF4-FFF2-40B4-BE49-F238E27FC236}">
-                <a16:creationId xmlns:a16="http://schemas.microsoft.com/office/drawing/2014/main" id="{CC946BB8-00E0-438E-8247-175FB393B807}"/>
-              </a:ext>
-            </a:extLst>
-          </p:cNvPr>
-          <p:cNvSpPr txBox="1"/>
-          <p:nvPr/>
-        </p:nvSpPr>
-        <p:spPr>
-          <a:xfrm>
-            <a:off x="5130987" y="3967530"/>
-            <a:ext cx="613126" cy="400110"/>
-          </a:xfrm>
-          <a:prstGeom prst="rect">
-            <a:avLst/>
-          </a:prstGeom>
-          <a:noFill/>
-        </p:spPr>
-        <p:txBody>
-          <a:bodyPr wrap="square" rtlCol="0">
-            <a:spAutoFit/>
-          </a:bodyPr>
-          <a:lstStyle/>
-          <a:p>
-            <a:pPr algn="ctr"/>
-            <a:r>
-              <a:rPr lang="en-US" sz="2000" dirty="0">
-                <a:solidFill>
-                  <a:srgbClr val="00B050"/>
-                </a:solidFill>
-              </a:rPr>
-              <a:t>11</a:t>
-            </a:r>
-          </a:p>
-        </p:txBody>
-      </p:sp>
-      <p:sp>
-        <p:nvSpPr>
-          <p:cNvPr id="61" name="TextBox 60">
-            <a:extLst>
-              <a:ext uri="{FF2B5EF4-FFF2-40B4-BE49-F238E27FC236}">
-                <a16:creationId xmlns:a16="http://schemas.microsoft.com/office/drawing/2014/main" id="{5A7A346D-54BE-4C95-BD29-AAAD901DFDF0}"/>
-              </a:ext>
-            </a:extLst>
-          </p:cNvPr>
-          <p:cNvSpPr txBox="1"/>
-          <p:nvPr/>
-        </p:nvSpPr>
-        <p:spPr>
-          <a:xfrm>
-            <a:off x="5487874" y="4453561"/>
-            <a:ext cx="613126" cy="400110"/>
-          </a:xfrm>
-          <a:prstGeom prst="rect">
-            <a:avLst/>
-          </a:prstGeom>
-          <a:noFill/>
-        </p:spPr>
-        <p:txBody>
-          <a:bodyPr wrap="square" rtlCol="0">
-            <a:spAutoFit/>
-          </a:bodyPr>
-          <a:lstStyle/>
-          <a:p>
-            <a:pPr algn="ctr"/>
-            <a:r>
-              <a:rPr lang="en-US" sz="2000" dirty="0">
-                <a:solidFill>
-                  <a:srgbClr val="00B050"/>
-                </a:solidFill>
-              </a:rPr>
-              <a:t>12</a:t>
+              <a:t>Seattle = 6</a:t>
             </a:r>
           </a:p>
         </p:txBody>
       </p:sp>
       <p:pic>
         <p:nvPicPr>
-          <p:cNvPr id="93" name="Picture 92">
-            <a:extLst>
-              <a:ext uri="{FF2B5EF4-FFF2-40B4-BE49-F238E27FC236}">
-                <a16:creationId xmlns:a16="http://schemas.microsoft.com/office/drawing/2014/main" id="{6EFD7CDC-3DC9-4619-989B-CBF42743E33B}"/>
+          <p:cNvPr id="83" name="Picture 82">
+            <a:extLst>
+              <a:ext uri="{FF2B5EF4-FFF2-40B4-BE49-F238E27FC236}">
+                <a16:creationId xmlns:a16="http://schemas.microsoft.com/office/drawing/2014/main" id="{E9F485C5-B8BC-4E61-B97A-53F32209847A}"/>
               </a:ext>
             </a:extLst>
           </p:cNvPr>
@@ -7207,8 +6583,8 @@
         </p:blipFill>
         <p:spPr>
           <a:xfrm>
-            <a:off x="6992257" y="709930"/>
-            <a:ext cx="4328535" cy="5358848"/>
+            <a:off x="7439980" y="1499152"/>
+            <a:ext cx="4322439" cy="5358848"/>
           </a:xfrm>
           <a:prstGeom prst="rect">
             <a:avLst/>
@@ -7218,7 +6594,7 @@
     </p:spTree>
     <p:extLst>
       <p:ext uri="{BB962C8B-B14F-4D97-AF65-F5344CB8AC3E}">
-        <p14:creationId xmlns:p14="http://schemas.microsoft.com/office/powerpoint/2010/main" val="2276074727"/>
+        <p14:creationId xmlns:p14="http://schemas.microsoft.com/office/powerpoint/2010/main" val="3146633858"/>
       </p:ext>
     </p:extLst>
   </p:cSld>
@@ -7228,7 +6604,7 @@
 </p:sld>
 </file>
 
-<file path=ppt/slides/slide5.xml><?xml version="1.0" encoding="utf-8"?>
+<file path=ppt/slides/slide6.xml><?xml version="1.0" encoding="utf-8"?>
 <p:sld xmlns:a="http://schemas.openxmlformats.org/drawingml/2006/main" xmlns:r="http://schemas.openxmlformats.org/officeDocument/2006/relationships" xmlns:p="http://schemas.openxmlformats.org/presentationml/2006/main">
   <p:cSld>
     <p:spTree>
@@ -7247,6 +6623,1369 @@
       </p:grpSpPr>
       <p:sp>
         <p:nvSpPr>
+          <p:cNvPr id="4" name="Oval 3">
+            <a:extLst>
+              <a:ext uri="{FF2B5EF4-FFF2-40B4-BE49-F238E27FC236}">
+                <a16:creationId xmlns:a16="http://schemas.microsoft.com/office/drawing/2014/main" id="{571D9D4B-25C0-400D-961B-0B9093657473}"/>
+              </a:ext>
+            </a:extLst>
+          </p:cNvPr>
+          <p:cNvSpPr/>
+          <p:nvPr/>
+        </p:nvSpPr>
+        <p:spPr>
+          <a:xfrm>
+            <a:off x="3628469" y="512550"/>
+            <a:ext cx="457200" cy="457200"/>
+          </a:xfrm>
+          <a:prstGeom prst="ellipse">
+            <a:avLst/>
+          </a:prstGeom>
+        </p:spPr>
+        <p:style>
+          <a:lnRef idx="2">
+            <a:schemeClr val="accent1">
+              <a:shade val="50000"/>
+            </a:schemeClr>
+          </a:lnRef>
+          <a:fillRef idx="1">
+            <a:schemeClr val="accent1"/>
+          </a:fillRef>
+          <a:effectRef idx="0">
+            <a:schemeClr val="accent1"/>
+          </a:effectRef>
+          <a:fontRef idx="minor">
+            <a:schemeClr val="lt1"/>
+          </a:fontRef>
+        </p:style>
+        <p:txBody>
+          <a:bodyPr rtlCol="0" anchor="ctr"/>
+          <a:lstStyle/>
+          <a:p>
+            <a:pPr algn="ctr"/>
+            <a:r>
+              <a:rPr lang="en-US" sz="2800" dirty="0"/>
+              <a:t>6</a:t>
+            </a:r>
+          </a:p>
+        </p:txBody>
+      </p:sp>
+      <p:sp>
+        <p:nvSpPr>
+          <p:cNvPr id="6" name="Oval 5">
+            <a:extLst>
+              <a:ext uri="{FF2B5EF4-FFF2-40B4-BE49-F238E27FC236}">
+                <a16:creationId xmlns:a16="http://schemas.microsoft.com/office/drawing/2014/main" id="{62324B04-8820-45C2-8EFD-FEDA3062E83E}"/>
+              </a:ext>
+            </a:extLst>
+          </p:cNvPr>
+          <p:cNvSpPr/>
+          <p:nvPr/>
+        </p:nvSpPr>
+        <p:spPr>
+          <a:xfrm>
+            <a:off x="4831999" y="4509273"/>
+            <a:ext cx="457200" cy="457200"/>
+          </a:xfrm>
+          <a:prstGeom prst="ellipse">
+            <a:avLst/>
+          </a:prstGeom>
+        </p:spPr>
+        <p:style>
+          <a:lnRef idx="2">
+            <a:schemeClr val="accent1">
+              <a:shade val="50000"/>
+            </a:schemeClr>
+          </a:lnRef>
+          <a:fillRef idx="1">
+            <a:schemeClr val="accent1"/>
+          </a:fillRef>
+          <a:effectRef idx="0">
+            <a:schemeClr val="accent1"/>
+          </a:effectRef>
+          <a:fontRef idx="minor">
+            <a:schemeClr val="lt1"/>
+          </a:fontRef>
+        </p:style>
+        <p:txBody>
+          <a:bodyPr rtlCol="0" anchor="ctr"/>
+          <a:lstStyle/>
+          <a:p>
+            <a:pPr algn="ctr"/>
+            <a:r>
+              <a:rPr lang="en-US" sz="2800" dirty="0"/>
+              <a:t>1</a:t>
+            </a:r>
+          </a:p>
+        </p:txBody>
+      </p:sp>
+      <p:sp>
+        <p:nvSpPr>
+          <p:cNvPr id="10" name="Oval 9">
+            <a:extLst>
+              <a:ext uri="{FF2B5EF4-FFF2-40B4-BE49-F238E27FC236}">
+                <a16:creationId xmlns:a16="http://schemas.microsoft.com/office/drawing/2014/main" id="{E0C3669E-1932-4856-AE81-2502A75A02AF}"/>
+              </a:ext>
+            </a:extLst>
+          </p:cNvPr>
+          <p:cNvSpPr/>
+          <p:nvPr/>
+        </p:nvSpPr>
+        <p:spPr>
+          <a:xfrm>
+            <a:off x="5929245" y="3899942"/>
+            <a:ext cx="457200" cy="457200"/>
+          </a:xfrm>
+          <a:prstGeom prst="ellipse">
+            <a:avLst/>
+          </a:prstGeom>
+        </p:spPr>
+        <p:style>
+          <a:lnRef idx="2">
+            <a:schemeClr val="accent1">
+              <a:shade val="50000"/>
+            </a:schemeClr>
+          </a:lnRef>
+          <a:fillRef idx="1">
+            <a:schemeClr val="accent1"/>
+          </a:fillRef>
+          <a:effectRef idx="0">
+            <a:schemeClr val="accent1"/>
+          </a:effectRef>
+          <a:fontRef idx="minor">
+            <a:schemeClr val="lt1"/>
+          </a:fontRef>
+        </p:style>
+        <p:txBody>
+          <a:bodyPr rtlCol="0" anchor="ctr"/>
+          <a:lstStyle/>
+          <a:p>
+            <a:pPr algn="ctr"/>
+            <a:r>
+              <a:rPr lang="en-US" sz="2800" dirty="0"/>
+              <a:t>2</a:t>
+            </a:r>
+          </a:p>
+        </p:txBody>
+      </p:sp>
+      <p:sp>
+        <p:nvSpPr>
+          <p:cNvPr id="12" name="Oval 11">
+            <a:extLst>
+              <a:ext uri="{FF2B5EF4-FFF2-40B4-BE49-F238E27FC236}">
+                <a16:creationId xmlns:a16="http://schemas.microsoft.com/office/drawing/2014/main" id="{2A411877-2377-4C1D-AD58-F4428E0D4544}"/>
+              </a:ext>
+            </a:extLst>
+          </p:cNvPr>
+          <p:cNvSpPr/>
+          <p:nvPr/>
+        </p:nvSpPr>
+        <p:spPr>
+          <a:xfrm>
+            <a:off x="3538913" y="2971800"/>
+            <a:ext cx="457200" cy="457200"/>
+          </a:xfrm>
+          <a:prstGeom prst="ellipse">
+            <a:avLst/>
+          </a:prstGeom>
+        </p:spPr>
+        <p:style>
+          <a:lnRef idx="2">
+            <a:schemeClr val="accent1">
+              <a:shade val="50000"/>
+            </a:schemeClr>
+          </a:lnRef>
+          <a:fillRef idx="1">
+            <a:schemeClr val="accent1"/>
+          </a:fillRef>
+          <a:effectRef idx="0">
+            <a:schemeClr val="accent1"/>
+          </a:effectRef>
+          <a:fontRef idx="minor">
+            <a:schemeClr val="lt1"/>
+          </a:fontRef>
+        </p:style>
+        <p:txBody>
+          <a:bodyPr rtlCol="0" anchor="ctr"/>
+          <a:lstStyle/>
+          <a:p>
+            <a:pPr algn="ctr"/>
+            <a:r>
+              <a:rPr lang="en-US" sz="2800" dirty="0"/>
+              <a:t>5</a:t>
+            </a:r>
+          </a:p>
+        </p:txBody>
+      </p:sp>
+      <p:sp>
+        <p:nvSpPr>
+          <p:cNvPr id="14" name="Oval 13">
+            <a:extLst>
+              <a:ext uri="{FF2B5EF4-FFF2-40B4-BE49-F238E27FC236}">
+                <a16:creationId xmlns:a16="http://schemas.microsoft.com/office/drawing/2014/main" id="{21601682-1F80-46C7-A89D-1ECCE6859112}"/>
+              </a:ext>
+            </a:extLst>
+          </p:cNvPr>
+          <p:cNvSpPr/>
+          <p:nvPr/>
+        </p:nvSpPr>
+        <p:spPr>
+          <a:xfrm>
+            <a:off x="3623366" y="5118604"/>
+            <a:ext cx="457200" cy="457200"/>
+          </a:xfrm>
+          <a:prstGeom prst="ellipse">
+            <a:avLst/>
+          </a:prstGeom>
+        </p:spPr>
+        <p:style>
+          <a:lnRef idx="2">
+            <a:schemeClr val="accent1">
+              <a:shade val="50000"/>
+            </a:schemeClr>
+          </a:lnRef>
+          <a:fillRef idx="1">
+            <a:schemeClr val="accent1"/>
+          </a:fillRef>
+          <a:effectRef idx="0">
+            <a:schemeClr val="accent1"/>
+          </a:effectRef>
+          <a:fontRef idx="minor">
+            <a:schemeClr val="lt1"/>
+          </a:fontRef>
+        </p:style>
+        <p:txBody>
+          <a:bodyPr rtlCol="0" anchor="ctr"/>
+          <a:lstStyle/>
+          <a:p>
+            <a:pPr algn="ctr"/>
+            <a:r>
+              <a:rPr lang="en-US" sz="2800" dirty="0"/>
+              <a:t>3</a:t>
+            </a:r>
+          </a:p>
+        </p:txBody>
+      </p:sp>
+      <p:sp>
+        <p:nvSpPr>
+          <p:cNvPr id="16" name="Oval 15">
+            <a:extLst>
+              <a:ext uri="{FF2B5EF4-FFF2-40B4-BE49-F238E27FC236}">
+                <a16:creationId xmlns:a16="http://schemas.microsoft.com/office/drawing/2014/main" id="{E5BE72CE-14FC-40FB-B536-B4E3B2F1CA9B}"/>
+              </a:ext>
+            </a:extLst>
+          </p:cNvPr>
+          <p:cNvSpPr/>
+          <p:nvPr/>
+        </p:nvSpPr>
+        <p:spPr>
+          <a:xfrm>
+            <a:off x="2213224" y="3552756"/>
+            <a:ext cx="457200" cy="457200"/>
+          </a:xfrm>
+          <a:prstGeom prst="ellipse">
+            <a:avLst/>
+          </a:prstGeom>
+        </p:spPr>
+        <p:style>
+          <a:lnRef idx="2">
+            <a:schemeClr val="accent1">
+              <a:shade val="50000"/>
+            </a:schemeClr>
+          </a:lnRef>
+          <a:fillRef idx="1">
+            <a:schemeClr val="accent1"/>
+          </a:fillRef>
+          <a:effectRef idx="0">
+            <a:schemeClr val="accent1"/>
+          </a:effectRef>
+          <a:fontRef idx="minor">
+            <a:schemeClr val="lt1"/>
+          </a:fontRef>
+        </p:style>
+        <p:txBody>
+          <a:bodyPr rtlCol="0" anchor="ctr"/>
+          <a:lstStyle/>
+          <a:p>
+            <a:pPr algn="ctr"/>
+            <a:r>
+              <a:rPr lang="en-US" sz="2800" dirty="0"/>
+              <a:t>4</a:t>
+            </a:r>
+          </a:p>
+        </p:txBody>
+      </p:sp>
+      <p:sp>
+        <p:nvSpPr>
+          <p:cNvPr id="18" name="Content Placeholder 23">
+            <a:extLst>
+              <a:ext uri="{FF2B5EF4-FFF2-40B4-BE49-F238E27FC236}">
+                <a16:creationId xmlns:a16="http://schemas.microsoft.com/office/drawing/2014/main" id="{DA69766A-D53B-4563-8C69-A9564EFC21AB}"/>
+              </a:ext>
+            </a:extLst>
+          </p:cNvPr>
+          <p:cNvSpPr txBox="1">
+            <a:spLocks/>
+          </p:cNvSpPr>
+          <p:nvPr/>
+        </p:nvSpPr>
+        <p:spPr>
+          <a:xfrm>
+            <a:off x="134198" y="213498"/>
+            <a:ext cx="4220028" cy="4351338"/>
+          </a:xfrm>
+          <a:prstGeom prst="rect">
+            <a:avLst/>
+          </a:prstGeom>
+        </p:spPr>
+        <p:txBody>
+          <a:bodyPr/>
+          <a:lstStyle>
+            <a:lvl1pPr marL="228600" indent="-228600" algn="l" defTabSz="914400" rtl="0" eaLnBrk="1" latinLnBrk="0" hangingPunct="1">
+              <a:lnSpc>
+                <a:spcPct val="90000"/>
+              </a:lnSpc>
+              <a:spcBef>
+                <a:spcPts val="1000"/>
+              </a:spcBef>
+              <a:buFont typeface="Arial" panose="020B0604020202020204" pitchFamily="34" charset="0"/>
+              <a:buChar char="•"/>
+              <a:defRPr sz="2800" kern="1200">
+                <a:solidFill>
+                  <a:schemeClr val="tx1"/>
+                </a:solidFill>
+                <a:latin typeface="+mn-lt"/>
+                <a:ea typeface="+mn-ea"/>
+                <a:cs typeface="+mn-cs"/>
+              </a:defRPr>
+            </a:lvl1pPr>
+            <a:lvl2pPr marL="685800" indent="-228600" algn="l" defTabSz="914400" rtl="0" eaLnBrk="1" latinLnBrk="0" hangingPunct="1">
+              <a:lnSpc>
+                <a:spcPct val="90000"/>
+              </a:lnSpc>
+              <a:spcBef>
+                <a:spcPts val="500"/>
+              </a:spcBef>
+              <a:buFont typeface="Arial" panose="020B0604020202020204" pitchFamily="34" charset="0"/>
+              <a:buChar char="•"/>
+              <a:defRPr sz="2400" kern="1200">
+                <a:solidFill>
+                  <a:schemeClr val="tx1"/>
+                </a:solidFill>
+                <a:latin typeface="+mn-lt"/>
+                <a:ea typeface="+mn-ea"/>
+                <a:cs typeface="+mn-cs"/>
+              </a:defRPr>
+            </a:lvl2pPr>
+            <a:lvl3pPr marL="1143000" indent="-228600" algn="l" defTabSz="914400" rtl="0" eaLnBrk="1" latinLnBrk="0" hangingPunct="1">
+              <a:lnSpc>
+                <a:spcPct val="90000"/>
+              </a:lnSpc>
+              <a:spcBef>
+                <a:spcPts val="500"/>
+              </a:spcBef>
+              <a:buFont typeface="Arial" panose="020B0604020202020204" pitchFamily="34" charset="0"/>
+              <a:buChar char="•"/>
+              <a:defRPr sz="2000" kern="1200">
+                <a:solidFill>
+                  <a:schemeClr val="tx1"/>
+                </a:solidFill>
+                <a:latin typeface="+mn-lt"/>
+                <a:ea typeface="+mn-ea"/>
+                <a:cs typeface="+mn-cs"/>
+              </a:defRPr>
+            </a:lvl3pPr>
+            <a:lvl4pPr marL="1600200" indent="-228600" algn="l" defTabSz="914400" rtl="0" eaLnBrk="1" latinLnBrk="0" hangingPunct="1">
+              <a:lnSpc>
+                <a:spcPct val="90000"/>
+              </a:lnSpc>
+              <a:spcBef>
+                <a:spcPts val="500"/>
+              </a:spcBef>
+              <a:buFont typeface="Arial" panose="020B0604020202020204" pitchFamily="34" charset="0"/>
+              <a:buChar char="•"/>
+              <a:defRPr sz="1800" kern="1200">
+                <a:solidFill>
+                  <a:schemeClr val="tx1"/>
+                </a:solidFill>
+                <a:latin typeface="+mn-lt"/>
+                <a:ea typeface="+mn-ea"/>
+                <a:cs typeface="+mn-cs"/>
+              </a:defRPr>
+            </a:lvl4pPr>
+            <a:lvl5pPr marL="2057400" indent="-228600" algn="l" defTabSz="914400" rtl="0" eaLnBrk="1" latinLnBrk="0" hangingPunct="1">
+              <a:lnSpc>
+                <a:spcPct val="90000"/>
+              </a:lnSpc>
+              <a:spcBef>
+                <a:spcPts val="500"/>
+              </a:spcBef>
+              <a:buFont typeface="Arial" panose="020B0604020202020204" pitchFamily="34" charset="0"/>
+              <a:buChar char="•"/>
+              <a:defRPr sz="1800" kern="1200">
+                <a:solidFill>
+                  <a:schemeClr val="tx1"/>
+                </a:solidFill>
+                <a:latin typeface="+mn-lt"/>
+                <a:ea typeface="+mn-ea"/>
+                <a:cs typeface="+mn-cs"/>
+              </a:defRPr>
+            </a:lvl5pPr>
+            <a:lvl6pPr marL="2514600" indent="-228600" algn="l" defTabSz="914400" rtl="0" eaLnBrk="1" latinLnBrk="0" hangingPunct="1">
+              <a:lnSpc>
+                <a:spcPct val="90000"/>
+              </a:lnSpc>
+              <a:spcBef>
+                <a:spcPts val="500"/>
+              </a:spcBef>
+              <a:buFont typeface="Arial" panose="020B0604020202020204" pitchFamily="34" charset="0"/>
+              <a:buChar char="•"/>
+              <a:defRPr sz="1800" kern="1200">
+                <a:solidFill>
+                  <a:schemeClr val="tx1"/>
+                </a:solidFill>
+                <a:latin typeface="+mn-lt"/>
+                <a:ea typeface="+mn-ea"/>
+                <a:cs typeface="+mn-cs"/>
+              </a:defRPr>
+            </a:lvl6pPr>
+            <a:lvl7pPr marL="2971800" indent="-228600" algn="l" defTabSz="914400" rtl="0" eaLnBrk="1" latinLnBrk="0" hangingPunct="1">
+              <a:lnSpc>
+                <a:spcPct val="90000"/>
+              </a:lnSpc>
+              <a:spcBef>
+                <a:spcPts val="500"/>
+              </a:spcBef>
+              <a:buFont typeface="Arial" panose="020B0604020202020204" pitchFamily="34" charset="0"/>
+              <a:buChar char="•"/>
+              <a:defRPr sz="1800" kern="1200">
+                <a:solidFill>
+                  <a:schemeClr val="tx1"/>
+                </a:solidFill>
+                <a:latin typeface="+mn-lt"/>
+                <a:ea typeface="+mn-ea"/>
+                <a:cs typeface="+mn-cs"/>
+              </a:defRPr>
+            </a:lvl7pPr>
+            <a:lvl8pPr marL="3429000" indent="-228600" algn="l" defTabSz="914400" rtl="0" eaLnBrk="1" latinLnBrk="0" hangingPunct="1">
+              <a:lnSpc>
+                <a:spcPct val="90000"/>
+              </a:lnSpc>
+              <a:spcBef>
+                <a:spcPts val="500"/>
+              </a:spcBef>
+              <a:buFont typeface="Arial" panose="020B0604020202020204" pitchFamily="34" charset="0"/>
+              <a:buChar char="•"/>
+              <a:defRPr sz="1800" kern="1200">
+                <a:solidFill>
+                  <a:schemeClr val="tx1"/>
+                </a:solidFill>
+                <a:latin typeface="+mn-lt"/>
+                <a:ea typeface="+mn-ea"/>
+                <a:cs typeface="+mn-cs"/>
+              </a:defRPr>
+            </a:lvl8pPr>
+            <a:lvl9pPr marL="3886200" indent="-228600" algn="l" defTabSz="914400" rtl="0" eaLnBrk="1" latinLnBrk="0" hangingPunct="1">
+              <a:lnSpc>
+                <a:spcPct val="90000"/>
+              </a:lnSpc>
+              <a:spcBef>
+                <a:spcPts val="500"/>
+              </a:spcBef>
+              <a:buFont typeface="Arial" panose="020B0604020202020204" pitchFamily="34" charset="0"/>
+              <a:buChar char="•"/>
+              <a:defRPr sz="1800" kern="1200">
+                <a:solidFill>
+                  <a:schemeClr val="tx1"/>
+                </a:solidFill>
+                <a:latin typeface="+mn-lt"/>
+                <a:ea typeface="+mn-ea"/>
+                <a:cs typeface="+mn-cs"/>
+              </a:defRPr>
+            </a:lvl9pPr>
+          </a:lstStyle>
+          <a:p>
+            <a:r>
+              <a:rPr lang="en-US" dirty="0"/>
+              <a:t>Las Vegas = 1</a:t>
+            </a:r>
+          </a:p>
+          <a:p>
+            <a:r>
+              <a:rPr lang="en-US" dirty="0"/>
+              <a:t>SLC = 2</a:t>
+            </a:r>
+          </a:p>
+          <a:p>
+            <a:r>
+              <a:rPr lang="en-US" dirty="0"/>
+              <a:t>LA = 3</a:t>
+            </a:r>
+          </a:p>
+          <a:p>
+            <a:r>
+              <a:rPr lang="en-US" dirty="0"/>
+              <a:t>SF = 4</a:t>
+            </a:r>
+          </a:p>
+          <a:p>
+            <a:r>
+              <a:rPr lang="en-US" dirty="0"/>
+              <a:t>Reno = 5</a:t>
+            </a:r>
+          </a:p>
+          <a:p>
+            <a:r>
+              <a:rPr lang="en-US" dirty="0"/>
+              <a:t>Seattle = 6</a:t>
+            </a:r>
+          </a:p>
+        </p:txBody>
+      </p:sp>
+      <p:cxnSp>
+        <p:nvCxnSpPr>
+          <p:cNvPr id="30" name="Straight Arrow Connector 29">
+            <a:extLst>
+              <a:ext uri="{FF2B5EF4-FFF2-40B4-BE49-F238E27FC236}">
+                <a16:creationId xmlns:a16="http://schemas.microsoft.com/office/drawing/2014/main" id="{E0E0DB10-64A1-4409-A598-3F447D47AC79}"/>
+              </a:ext>
+            </a:extLst>
+          </p:cNvPr>
+          <p:cNvCxnSpPr>
+            <a:cxnSpLocks/>
+          </p:cNvCxnSpPr>
+          <p:nvPr/>
+        </p:nvCxnSpPr>
+        <p:spPr>
+          <a:xfrm flipV="1">
+            <a:off x="4226288" y="4964913"/>
+            <a:ext cx="613126" cy="304262"/>
+          </a:xfrm>
+          <a:prstGeom prst="straightConnector1">
+            <a:avLst/>
+          </a:prstGeom>
+          <a:ln w="57150">
+            <a:tailEnd type="triangle"/>
+          </a:ln>
+        </p:spPr>
+        <p:style>
+          <a:lnRef idx="3">
+            <a:schemeClr val="accent1"/>
+          </a:lnRef>
+          <a:fillRef idx="0">
+            <a:schemeClr val="accent1"/>
+          </a:fillRef>
+          <a:effectRef idx="2">
+            <a:schemeClr val="accent1"/>
+          </a:effectRef>
+          <a:fontRef idx="minor">
+            <a:schemeClr val="tx1"/>
+          </a:fontRef>
+        </p:style>
+      </p:cxnSp>
+      <p:cxnSp>
+        <p:nvCxnSpPr>
+          <p:cNvPr id="31" name="Straight Arrow Connector 30">
+            <a:extLst>
+              <a:ext uri="{FF2B5EF4-FFF2-40B4-BE49-F238E27FC236}">
+                <a16:creationId xmlns:a16="http://schemas.microsoft.com/office/drawing/2014/main" id="{59A4B133-4F49-47FB-86FE-6EAD47013C60}"/>
+              </a:ext>
+            </a:extLst>
+          </p:cNvPr>
+          <p:cNvCxnSpPr>
+            <a:cxnSpLocks/>
+          </p:cNvCxnSpPr>
+          <p:nvPr/>
+        </p:nvCxnSpPr>
+        <p:spPr>
+          <a:xfrm flipV="1">
+            <a:off x="4096314" y="4853671"/>
+            <a:ext cx="613126" cy="304262"/>
+          </a:xfrm>
+          <a:prstGeom prst="straightConnector1">
+            <a:avLst/>
+          </a:prstGeom>
+          <a:ln w="57150">
+            <a:headEnd type="triangle" w="med" len="med"/>
+            <a:tailEnd type="none" w="med" len="med"/>
+          </a:ln>
+        </p:spPr>
+        <p:style>
+          <a:lnRef idx="3">
+            <a:schemeClr val="accent1"/>
+          </a:lnRef>
+          <a:fillRef idx="0">
+            <a:schemeClr val="accent1"/>
+          </a:fillRef>
+          <a:effectRef idx="2">
+            <a:schemeClr val="accent1"/>
+          </a:effectRef>
+          <a:fontRef idx="minor">
+            <a:schemeClr val="tx1"/>
+          </a:fontRef>
+        </p:style>
+      </p:cxnSp>
+      <p:cxnSp>
+        <p:nvCxnSpPr>
+          <p:cNvPr id="33" name="Straight Arrow Connector 32">
+            <a:extLst>
+              <a:ext uri="{FF2B5EF4-FFF2-40B4-BE49-F238E27FC236}">
+                <a16:creationId xmlns:a16="http://schemas.microsoft.com/office/drawing/2014/main" id="{5743657F-9FC5-40E1-BF86-1B174057E775}"/>
+              </a:ext>
+            </a:extLst>
+          </p:cNvPr>
+          <p:cNvCxnSpPr/>
+          <p:nvPr/>
+        </p:nvCxnSpPr>
+        <p:spPr>
+          <a:xfrm flipH="1" flipV="1">
+            <a:off x="4011683" y="3417846"/>
+            <a:ext cx="820316" cy="956517"/>
+          </a:xfrm>
+          <a:prstGeom prst="straightConnector1">
+            <a:avLst/>
+          </a:prstGeom>
+          <a:ln w="57150">
+            <a:tailEnd type="triangle"/>
+          </a:ln>
+        </p:spPr>
+        <p:style>
+          <a:lnRef idx="1">
+            <a:schemeClr val="accent1"/>
+          </a:lnRef>
+          <a:fillRef idx="0">
+            <a:schemeClr val="accent1"/>
+          </a:fillRef>
+          <a:effectRef idx="0">
+            <a:schemeClr val="accent1"/>
+          </a:effectRef>
+          <a:fontRef idx="minor">
+            <a:schemeClr val="tx1"/>
+          </a:fontRef>
+        </p:style>
+      </p:cxnSp>
+      <p:cxnSp>
+        <p:nvCxnSpPr>
+          <p:cNvPr id="34" name="Straight Arrow Connector 33">
+            <a:extLst>
+              <a:ext uri="{FF2B5EF4-FFF2-40B4-BE49-F238E27FC236}">
+                <a16:creationId xmlns:a16="http://schemas.microsoft.com/office/drawing/2014/main" id="{1346336A-6200-4BB0-9EEF-87D44D49C929}"/>
+              </a:ext>
+            </a:extLst>
+          </p:cNvPr>
+          <p:cNvCxnSpPr/>
+          <p:nvPr/>
+        </p:nvCxnSpPr>
+        <p:spPr>
+          <a:xfrm flipH="1" flipV="1">
+            <a:off x="3904402" y="3485301"/>
+            <a:ext cx="820316" cy="956517"/>
+          </a:xfrm>
+          <a:prstGeom prst="straightConnector1">
+            <a:avLst/>
+          </a:prstGeom>
+          <a:ln w="57150">
+            <a:headEnd type="triangle" w="med" len="med"/>
+            <a:tailEnd type="none" w="med" len="med"/>
+          </a:ln>
+        </p:spPr>
+        <p:style>
+          <a:lnRef idx="1">
+            <a:schemeClr val="accent1"/>
+          </a:lnRef>
+          <a:fillRef idx="0">
+            <a:schemeClr val="accent1"/>
+          </a:fillRef>
+          <a:effectRef idx="0">
+            <a:schemeClr val="accent1"/>
+          </a:effectRef>
+          <a:fontRef idx="minor">
+            <a:schemeClr val="tx1"/>
+          </a:fontRef>
+        </p:style>
+      </p:cxnSp>
+      <p:cxnSp>
+        <p:nvCxnSpPr>
+          <p:cNvPr id="32" name="Straight Arrow Connector 31">
+            <a:extLst>
+              <a:ext uri="{FF2B5EF4-FFF2-40B4-BE49-F238E27FC236}">
+                <a16:creationId xmlns:a16="http://schemas.microsoft.com/office/drawing/2014/main" id="{9C84C7A4-46F9-4BD1-BE7F-0124728E9F63}"/>
+              </a:ext>
+            </a:extLst>
+          </p:cNvPr>
+          <p:cNvCxnSpPr>
+            <a:cxnSpLocks/>
+          </p:cNvCxnSpPr>
+          <p:nvPr/>
+        </p:nvCxnSpPr>
+        <p:spPr>
+          <a:xfrm flipH="1" flipV="1">
+            <a:off x="2772229" y="3899942"/>
+            <a:ext cx="1952489" cy="609331"/>
+          </a:xfrm>
+          <a:prstGeom prst="straightConnector1">
+            <a:avLst/>
+          </a:prstGeom>
+          <a:ln w="57150">
+            <a:tailEnd type="triangle"/>
+          </a:ln>
+        </p:spPr>
+        <p:style>
+          <a:lnRef idx="1">
+            <a:schemeClr val="accent1"/>
+          </a:lnRef>
+          <a:fillRef idx="0">
+            <a:schemeClr val="accent1"/>
+          </a:fillRef>
+          <a:effectRef idx="0">
+            <a:schemeClr val="accent1"/>
+          </a:effectRef>
+          <a:fontRef idx="minor">
+            <a:schemeClr val="tx1"/>
+          </a:fontRef>
+        </p:style>
+      </p:cxnSp>
+      <p:cxnSp>
+        <p:nvCxnSpPr>
+          <p:cNvPr id="39" name="Straight Arrow Connector 38">
+            <a:extLst>
+              <a:ext uri="{FF2B5EF4-FFF2-40B4-BE49-F238E27FC236}">
+                <a16:creationId xmlns:a16="http://schemas.microsoft.com/office/drawing/2014/main" id="{2FEFFF9D-5F52-4FB2-98E6-0F712EC7254B}"/>
+              </a:ext>
+            </a:extLst>
+          </p:cNvPr>
+          <p:cNvCxnSpPr>
+            <a:cxnSpLocks/>
+          </p:cNvCxnSpPr>
+          <p:nvPr/>
+        </p:nvCxnSpPr>
+        <p:spPr>
+          <a:xfrm flipH="1" flipV="1">
+            <a:off x="2670424" y="4055553"/>
+            <a:ext cx="2054294" cy="605851"/>
+          </a:xfrm>
+          <a:prstGeom prst="straightConnector1">
+            <a:avLst/>
+          </a:prstGeom>
+          <a:ln w="57150">
+            <a:headEnd type="triangle" w="med" len="med"/>
+            <a:tailEnd type="none" w="med" len="med"/>
+          </a:ln>
+        </p:spPr>
+        <p:style>
+          <a:lnRef idx="1">
+            <a:schemeClr val="accent1"/>
+          </a:lnRef>
+          <a:fillRef idx="0">
+            <a:schemeClr val="accent1"/>
+          </a:fillRef>
+          <a:effectRef idx="0">
+            <a:schemeClr val="accent1"/>
+          </a:effectRef>
+          <a:fontRef idx="minor">
+            <a:schemeClr val="tx1"/>
+          </a:fontRef>
+        </p:style>
+      </p:cxnSp>
+      <p:cxnSp>
+        <p:nvCxnSpPr>
+          <p:cNvPr id="44" name="Straight Arrow Connector 43">
+            <a:extLst>
+              <a:ext uri="{FF2B5EF4-FFF2-40B4-BE49-F238E27FC236}">
+                <a16:creationId xmlns:a16="http://schemas.microsoft.com/office/drawing/2014/main" id="{2DB6DE70-830B-4640-B33E-4CF1E403B8E9}"/>
+              </a:ext>
+            </a:extLst>
+          </p:cNvPr>
+          <p:cNvCxnSpPr>
+            <a:cxnSpLocks/>
+          </p:cNvCxnSpPr>
+          <p:nvPr/>
+        </p:nvCxnSpPr>
+        <p:spPr>
+          <a:xfrm flipH="1" flipV="1">
+            <a:off x="3904402" y="1104660"/>
+            <a:ext cx="900405" cy="3065284"/>
+          </a:xfrm>
+          <a:prstGeom prst="straightConnector1">
+            <a:avLst/>
+          </a:prstGeom>
+          <a:ln w="57150">
+            <a:headEnd type="triangle" w="med" len="med"/>
+            <a:tailEnd type="none" w="med" len="med"/>
+          </a:ln>
+        </p:spPr>
+        <p:style>
+          <a:lnRef idx="1">
+            <a:schemeClr val="accent1"/>
+          </a:lnRef>
+          <a:fillRef idx="0">
+            <a:schemeClr val="accent1"/>
+          </a:fillRef>
+          <a:effectRef idx="0">
+            <a:schemeClr val="accent1"/>
+          </a:effectRef>
+          <a:fontRef idx="minor">
+            <a:schemeClr val="tx1"/>
+          </a:fontRef>
+        </p:style>
+      </p:cxnSp>
+      <p:cxnSp>
+        <p:nvCxnSpPr>
+          <p:cNvPr id="48" name="Straight Arrow Connector 47">
+            <a:extLst>
+              <a:ext uri="{FF2B5EF4-FFF2-40B4-BE49-F238E27FC236}">
+                <a16:creationId xmlns:a16="http://schemas.microsoft.com/office/drawing/2014/main" id="{5F7B565F-77A6-4033-B7B8-52F0DBFA444A}"/>
+              </a:ext>
+            </a:extLst>
+          </p:cNvPr>
+          <p:cNvCxnSpPr>
+            <a:cxnSpLocks/>
+          </p:cNvCxnSpPr>
+          <p:nvPr/>
+        </p:nvCxnSpPr>
+        <p:spPr>
+          <a:xfrm flipH="1" flipV="1">
+            <a:off x="4060561" y="1037322"/>
+            <a:ext cx="839587" cy="3091220"/>
+          </a:xfrm>
+          <a:prstGeom prst="straightConnector1">
+            <a:avLst/>
+          </a:prstGeom>
+          <a:ln w="57150">
+            <a:headEnd type="none" w="med" len="med"/>
+            <a:tailEnd type="triangle" w="med" len="med"/>
+          </a:ln>
+        </p:spPr>
+        <p:style>
+          <a:lnRef idx="1">
+            <a:schemeClr val="accent1"/>
+          </a:lnRef>
+          <a:fillRef idx="0">
+            <a:schemeClr val="accent1"/>
+          </a:fillRef>
+          <a:effectRef idx="0">
+            <a:schemeClr val="accent1"/>
+          </a:effectRef>
+          <a:fontRef idx="minor">
+            <a:schemeClr val="tx1"/>
+          </a:fontRef>
+        </p:style>
+      </p:cxnSp>
+      <p:sp>
+        <p:nvSpPr>
+          <p:cNvPr id="46" name="TextBox 45">
+            <a:extLst>
+              <a:ext uri="{FF2B5EF4-FFF2-40B4-BE49-F238E27FC236}">
+                <a16:creationId xmlns:a16="http://schemas.microsoft.com/office/drawing/2014/main" id="{3D91861C-9B62-4671-8B80-47B4418C128D}"/>
+              </a:ext>
+            </a:extLst>
+          </p:cNvPr>
+          <p:cNvSpPr txBox="1"/>
+          <p:nvPr/>
+        </p:nvSpPr>
+        <p:spPr>
+          <a:xfrm>
+            <a:off x="4372532" y="5101383"/>
+            <a:ext cx="613126" cy="400110"/>
+          </a:xfrm>
+          <a:prstGeom prst="rect">
+            <a:avLst/>
+          </a:prstGeom>
+          <a:noFill/>
+        </p:spPr>
+        <p:txBody>
+          <a:bodyPr wrap="square" rtlCol="0">
+            <a:spAutoFit/>
+          </a:bodyPr>
+          <a:lstStyle/>
+          <a:p>
+            <a:pPr algn="ctr"/>
+            <a:r>
+              <a:rPr lang="en-US" sz="2000" dirty="0">
+                <a:solidFill>
+                  <a:srgbClr val="00B050"/>
+                </a:solidFill>
+              </a:rPr>
+              <a:t>1</a:t>
+            </a:r>
+          </a:p>
+        </p:txBody>
+      </p:sp>
+      <p:sp>
+        <p:nvSpPr>
+          <p:cNvPr id="51" name="TextBox 50">
+            <a:extLst>
+              <a:ext uri="{FF2B5EF4-FFF2-40B4-BE49-F238E27FC236}">
+                <a16:creationId xmlns:a16="http://schemas.microsoft.com/office/drawing/2014/main" id="{EDFF9B35-B036-469D-94FE-ABD90967A04F}"/>
+              </a:ext>
+            </a:extLst>
+          </p:cNvPr>
+          <p:cNvSpPr txBox="1"/>
+          <p:nvPr/>
+        </p:nvSpPr>
+        <p:spPr>
+          <a:xfrm>
+            <a:off x="3989508" y="4656404"/>
+            <a:ext cx="613126" cy="400110"/>
+          </a:xfrm>
+          <a:prstGeom prst="rect">
+            <a:avLst/>
+          </a:prstGeom>
+          <a:noFill/>
+        </p:spPr>
+        <p:txBody>
+          <a:bodyPr wrap="square" rtlCol="0">
+            <a:spAutoFit/>
+          </a:bodyPr>
+          <a:lstStyle/>
+          <a:p>
+            <a:pPr algn="ctr"/>
+            <a:r>
+              <a:rPr lang="en-US" sz="2000" dirty="0">
+                <a:solidFill>
+                  <a:srgbClr val="00B050"/>
+                </a:solidFill>
+              </a:rPr>
+              <a:t>2</a:t>
+            </a:r>
+          </a:p>
+        </p:txBody>
+      </p:sp>
+      <p:sp>
+        <p:nvSpPr>
+          <p:cNvPr id="52" name="TextBox 51">
+            <a:extLst>
+              <a:ext uri="{FF2B5EF4-FFF2-40B4-BE49-F238E27FC236}">
+                <a16:creationId xmlns:a16="http://schemas.microsoft.com/office/drawing/2014/main" id="{C2275F45-3691-4791-90F7-9C5CF708C835}"/>
+              </a:ext>
+            </a:extLst>
+          </p:cNvPr>
+          <p:cNvSpPr txBox="1"/>
+          <p:nvPr/>
+        </p:nvSpPr>
+        <p:spPr>
+          <a:xfrm>
+            <a:off x="3115846" y="4306718"/>
+            <a:ext cx="613126" cy="400110"/>
+          </a:xfrm>
+          <a:prstGeom prst="rect">
+            <a:avLst/>
+          </a:prstGeom>
+          <a:noFill/>
+        </p:spPr>
+        <p:txBody>
+          <a:bodyPr wrap="square" rtlCol="0">
+            <a:spAutoFit/>
+          </a:bodyPr>
+          <a:lstStyle/>
+          <a:p>
+            <a:pPr algn="ctr"/>
+            <a:r>
+              <a:rPr lang="en-US" sz="2000" dirty="0">
+                <a:solidFill>
+                  <a:srgbClr val="00B050"/>
+                </a:solidFill>
+              </a:rPr>
+              <a:t>3</a:t>
+            </a:r>
+          </a:p>
+        </p:txBody>
+      </p:sp>
+      <p:sp>
+        <p:nvSpPr>
+          <p:cNvPr id="53" name="TextBox 52">
+            <a:extLst>
+              <a:ext uri="{FF2B5EF4-FFF2-40B4-BE49-F238E27FC236}">
+                <a16:creationId xmlns:a16="http://schemas.microsoft.com/office/drawing/2014/main" id="{5A976737-FAB1-4431-AF36-AA43AB3F2C76}"/>
+              </a:ext>
+            </a:extLst>
+          </p:cNvPr>
+          <p:cNvSpPr txBox="1"/>
+          <p:nvPr/>
+        </p:nvSpPr>
+        <p:spPr>
+          <a:xfrm>
+            <a:off x="3330054" y="3728432"/>
+            <a:ext cx="613126" cy="400110"/>
+          </a:xfrm>
+          <a:prstGeom prst="rect">
+            <a:avLst/>
+          </a:prstGeom>
+          <a:noFill/>
+        </p:spPr>
+        <p:txBody>
+          <a:bodyPr wrap="square" rtlCol="0">
+            <a:spAutoFit/>
+          </a:bodyPr>
+          <a:lstStyle/>
+          <a:p>
+            <a:pPr algn="ctr"/>
+            <a:r>
+              <a:rPr lang="en-US" sz="2000" dirty="0">
+                <a:solidFill>
+                  <a:srgbClr val="00B050"/>
+                </a:solidFill>
+              </a:rPr>
+              <a:t>4</a:t>
+            </a:r>
+          </a:p>
+        </p:txBody>
+      </p:sp>
+      <p:sp>
+        <p:nvSpPr>
+          <p:cNvPr id="54" name="TextBox 53">
+            <a:extLst>
+              <a:ext uri="{FF2B5EF4-FFF2-40B4-BE49-F238E27FC236}">
+                <a16:creationId xmlns:a16="http://schemas.microsoft.com/office/drawing/2014/main" id="{D56E9472-28F7-4FF0-850F-478F80AA9C0D}"/>
+              </a:ext>
+            </a:extLst>
+          </p:cNvPr>
+          <p:cNvSpPr txBox="1"/>
+          <p:nvPr/>
+        </p:nvSpPr>
+        <p:spPr>
+          <a:xfrm>
+            <a:off x="3818646" y="3836904"/>
+            <a:ext cx="613126" cy="400110"/>
+          </a:xfrm>
+          <a:prstGeom prst="rect">
+            <a:avLst/>
+          </a:prstGeom>
+          <a:noFill/>
+        </p:spPr>
+        <p:txBody>
+          <a:bodyPr wrap="square" rtlCol="0">
+            <a:spAutoFit/>
+          </a:bodyPr>
+          <a:lstStyle/>
+          <a:p>
+            <a:pPr algn="ctr"/>
+            <a:r>
+              <a:rPr lang="en-US" sz="2000" dirty="0">
+                <a:solidFill>
+                  <a:srgbClr val="00B050"/>
+                </a:solidFill>
+              </a:rPr>
+              <a:t>5</a:t>
+            </a:r>
+          </a:p>
+        </p:txBody>
+      </p:sp>
+      <p:sp>
+        <p:nvSpPr>
+          <p:cNvPr id="55" name="TextBox 54">
+            <a:extLst>
+              <a:ext uri="{FF2B5EF4-FFF2-40B4-BE49-F238E27FC236}">
+                <a16:creationId xmlns:a16="http://schemas.microsoft.com/office/drawing/2014/main" id="{1CD71E60-39B1-4BAF-A5AA-1BFC3336B037}"/>
+              </a:ext>
+            </a:extLst>
+          </p:cNvPr>
+          <p:cNvSpPr txBox="1"/>
+          <p:nvPr/>
+        </p:nvSpPr>
+        <p:spPr>
+          <a:xfrm>
+            <a:off x="4032706" y="3389354"/>
+            <a:ext cx="613126" cy="400110"/>
+          </a:xfrm>
+          <a:prstGeom prst="rect">
+            <a:avLst/>
+          </a:prstGeom>
+          <a:noFill/>
+        </p:spPr>
+        <p:txBody>
+          <a:bodyPr wrap="square" rtlCol="0">
+            <a:spAutoFit/>
+          </a:bodyPr>
+          <a:lstStyle/>
+          <a:p>
+            <a:pPr algn="ctr"/>
+            <a:r>
+              <a:rPr lang="en-US" sz="2000" dirty="0">
+                <a:solidFill>
+                  <a:srgbClr val="00B050"/>
+                </a:solidFill>
+              </a:rPr>
+              <a:t>6</a:t>
+            </a:r>
+          </a:p>
+        </p:txBody>
+      </p:sp>
+      <p:sp>
+        <p:nvSpPr>
+          <p:cNvPr id="56" name="TextBox 55">
+            <a:extLst>
+              <a:ext uri="{FF2B5EF4-FFF2-40B4-BE49-F238E27FC236}">
+                <a16:creationId xmlns:a16="http://schemas.microsoft.com/office/drawing/2014/main" id="{49AB86F1-CB67-49C3-82BF-05EAA196A1DC}"/>
+              </a:ext>
+            </a:extLst>
+          </p:cNvPr>
+          <p:cNvSpPr txBox="1"/>
+          <p:nvPr/>
+        </p:nvSpPr>
+        <p:spPr>
+          <a:xfrm>
+            <a:off x="3812793" y="2436774"/>
+            <a:ext cx="613126" cy="400110"/>
+          </a:xfrm>
+          <a:prstGeom prst="rect">
+            <a:avLst/>
+          </a:prstGeom>
+          <a:noFill/>
+        </p:spPr>
+        <p:txBody>
+          <a:bodyPr wrap="square" rtlCol="0">
+            <a:spAutoFit/>
+          </a:bodyPr>
+          <a:lstStyle/>
+          <a:p>
+            <a:pPr algn="ctr"/>
+            <a:r>
+              <a:rPr lang="en-US" sz="2000" dirty="0">
+                <a:solidFill>
+                  <a:srgbClr val="00B050"/>
+                </a:solidFill>
+              </a:rPr>
+              <a:t>7</a:t>
+            </a:r>
+          </a:p>
+        </p:txBody>
+      </p:sp>
+      <p:sp>
+        <p:nvSpPr>
+          <p:cNvPr id="57" name="TextBox 56">
+            <a:extLst>
+              <a:ext uri="{FF2B5EF4-FFF2-40B4-BE49-F238E27FC236}">
+                <a16:creationId xmlns:a16="http://schemas.microsoft.com/office/drawing/2014/main" id="{EBDD2EF9-0C76-43C1-BDA1-3E1399AAAC02}"/>
+              </a:ext>
+            </a:extLst>
+          </p:cNvPr>
+          <p:cNvSpPr txBox="1"/>
+          <p:nvPr/>
+        </p:nvSpPr>
+        <p:spPr>
+          <a:xfrm>
+            <a:off x="4277437" y="1970207"/>
+            <a:ext cx="613126" cy="400110"/>
+          </a:xfrm>
+          <a:prstGeom prst="rect">
+            <a:avLst/>
+          </a:prstGeom>
+          <a:noFill/>
+        </p:spPr>
+        <p:txBody>
+          <a:bodyPr wrap="square" rtlCol="0">
+            <a:spAutoFit/>
+          </a:bodyPr>
+          <a:lstStyle/>
+          <a:p>
+            <a:pPr algn="ctr"/>
+            <a:r>
+              <a:rPr lang="en-US" sz="2000" dirty="0">
+                <a:solidFill>
+                  <a:srgbClr val="00B050"/>
+                </a:solidFill>
+              </a:rPr>
+              <a:t>8</a:t>
+            </a:r>
+          </a:p>
+        </p:txBody>
+      </p:sp>
+      <p:sp>
+        <p:nvSpPr>
+          <p:cNvPr id="60" name="TextBox 59">
+            <a:extLst>
+              <a:ext uri="{FF2B5EF4-FFF2-40B4-BE49-F238E27FC236}">
+                <a16:creationId xmlns:a16="http://schemas.microsoft.com/office/drawing/2014/main" id="{CC946BB8-00E0-438E-8247-175FB393B807}"/>
+              </a:ext>
+            </a:extLst>
+          </p:cNvPr>
+          <p:cNvSpPr txBox="1"/>
+          <p:nvPr/>
+        </p:nvSpPr>
+        <p:spPr>
+          <a:xfrm>
+            <a:off x="5130987" y="3967530"/>
+            <a:ext cx="613126" cy="400110"/>
+          </a:xfrm>
+          <a:prstGeom prst="rect">
+            <a:avLst/>
+          </a:prstGeom>
+          <a:noFill/>
+        </p:spPr>
+        <p:txBody>
+          <a:bodyPr wrap="square" rtlCol="0">
+            <a:spAutoFit/>
+          </a:bodyPr>
+          <a:lstStyle/>
+          <a:p>
+            <a:pPr algn="ctr"/>
+            <a:r>
+              <a:rPr lang="en-US" sz="2000" dirty="0">
+                <a:solidFill>
+                  <a:srgbClr val="00B050"/>
+                </a:solidFill>
+              </a:rPr>
+              <a:t>9</a:t>
+            </a:r>
+          </a:p>
+        </p:txBody>
+      </p:sp>
+      <p:sp>
+        <p:nvSpPr>
+          <p:cNvPr id="61" name="TextBox 60">
+            <a:extLst>
+              <a:ext uri="{FF2B5EF4-FFF2-40B4-BE49-F238E27FC236}">
+                <a16:creationId xmlns:a16="http://schemas.microsoft.com/office/drawing/2014/main" id="{5A7A346D-54BE-4C95-BD29-AAAD901DFDF0}"/>
+              </a:ext>
+            </a:extLst>
+          </p:cNvPr>
+          <p:cNvSpPr txBox="1"/>
+          <p:nvPr/>
+        </p:nvSpPr>
+        <p:spPr>
+          <a:xfrm>
+            <a:off x="5487874" y="4453561"/>
+            <a:ext cx="613126" cy="400110"/>
+          </a:xfrm>
+          <a:prstGeom prst="rect">
+            <a:avLst/>
+          </a:prstGeom>
+          <a:noFill/>
+        </p:spPr>
+        <p:txBody>
+          <a:bodyPr wrap="square" rtlCol="0">
+            <a:spAutoFit/>
+          </a:bodyPr>
+          <a:lstStyle/>
+          <a:p>
+            <a:pPr algn="ctr"/>
+            <a:r>
+              <a:rPr lang="en-US" sz="2000" dirty="0">
+                <a:solidFill>
+                  <a:srgbClr val="00B050"/>
+                </a:solidFill>
+              </a:rPr>
+              <a:t>10</a:t>
+            </a:r>
+          </a:p>
+        </p:txBody>
+      </p:sp>
+      <p:cxnSp>
+        <p:nvCxnSpPr>
+          <p:cNvPr id="35" name="Straight Arrow Connector 34">
+            <a:extLst>
+              <a:ext uri="{FF2B5EF4-FFF2-40B4-BE49-F238E27FC236}">
+                <a16:creationId xmlns:a16="http://schemas.microsoft.com/office/drawing/2014/main" id="{310FBD35-4E4F-4A9A-B00F-0B75C0A0E6FD}"/>
+              </a:ext>
+            </a:extLst>
+          </p:cNvPr>
+          <p:cNvCxnSpPr>
+            <a:cxnSpLocks/>
+          </p:cNvCxnSpPr>
+          <p:nvPr/>
+        </p:nvCxnSpPr>
+        <p:spPr>
+          <a:xfrm flipV="1">
+            <a:off x="5343584" y="4348207"/>
+            <a:ext cx="613126" cy="304262"/>
+          </a:xfrm>
+          <a:prstGeom prst="straightConnector1">
+            <a:avLst/>
+          </a:prstGeom>
+          <a:ln w="57150">
+            <a:tailEnd type="triangle"/>
+          </a:ln>
+        </p:spPr>
+        <p:style>
+          <a:lnRef idx="3">
+            <a:schemeClr val="accent1"/>
+          </a:lnRef>
+          <a:fillRef idx="0">
+            <a:schemeClr val="accent1"/>
+          </a:fillRef>
+          <a:effectRef idx="2">
+            <a:schemeClr val="accent1"/>
+          </a:effectRef>
+          <a:fontRef idx="minor">
+            <a:schemeClr val="tx1"/>
+          </a:fontRef>
+        </p:style>
+      </p:cxnSp>
+      <p:cxnSp>
+        <p:nvCxnSpPr>
+          <p:cNvPr id="36" name="Straight Arrow Connector 35">
+            <a:extLst>
+              <a:ext uri="{FF2B5EF4-FFF2-40B4-BE49-F238E27FC236}">
+                <a16:creationId xmlns:a16="http://schemas.microsoft.com/office/drawing/2014/main" id="{EB4FF235-D7B0-4249-B9ED-66F7FF613FC4}"/>
+              </a:ext>
+            </a:extLst>
+          </p:cNvPr>
+          <p:cNvCxnSpPr>
+            <a:cxnSpLocks/>
+          </p:cNvCxnSpPr>
+          <p:nvPr/>
+        </p:nvCxnSpPr>
+        <p:spPr>
+          <a:xfrm flipV="1">
+            <a:off x="5213610" y="4236965"/>
+            <a:ext cx="613126" cy="304262"/>
+          </a:xfrm>
+          <a:prstGeom prst="straightConnector1">
+            <a:avLst/>
+          </a:prstGeom>
+          <a:ln w="57150">
+            <a:headEnd type="triangle" w="med" len="med"/>
+            <a:tailEnd type="none" w="med" len="med"/>
+          </a:ln>
+        </p:spPr>
+        <p:style>
+          <a:lnRef idx="3">
+            <a:schemeClr val="accent1"/>
+          </a:lnRef>
+          <a:fillRef idx="0">
+            <a:schemeClr val="accent1"/>
+          </a:fillRef>
+          <a:effectRef idx="2">
+            <a:schemeClr val="accent1"/>
+          </a:effectRef>
+          <a:fontRef idx="minor">
+            <a:schemeClr val="tx1"/>
+          </a:fontRef>
+        </p:style>
+      </p:cxnSp>
+    </p:spTree>
+    <p:extLst>
+      <p:ext uri="{BB962C8B-B14F-4D97-AF65-F5344CB8AC3E}">
+        <p14:creationId xmlns:p14="http://schemas.microsoft.com/office/powerpoint/2010/main" val="2276074727"/>
+      </p:ext>
+    </p:extLst>
+  </p:cSld>
+  <p:clrMapOvr>
+    <a:masterClrMapping/>
+  </p:clrMapOvr>
+</p:sld>
+</file>
+
+<file path=ppt/slides/slide7.xml><?xml version="1.0" encoding="utf-8"?>
+<p:sld xmlns:a="http://schemas.openxmlformats.org/drawingml/2006/main" xmlns:r="http://schemas.openxmlformats.org/officeDocument/2006/relationships" xmlns:p="http://schemas.openxmlformats.org/presentationml/2006/main">
+  <p:cSld>
+    <p:spTree>
+      <p:nvGrpSpPr>
+        <p:cNvPr id="1" name=""/>
+        <p:cNvGrpSpPr/>
+        <p:nvPr/>
+      </p:nvGrpSpPr>
+      <p:grpSpPr>
+        <a:xfrm>
+          <a:off x="0" y="0"/>
+          <a:ext cx="0" cy="0"/>
+          <a:chOff x="0" y="0"/>
+          <a:chExt cx="0" cy="0"/>
+        </a:xfrm>
+      </p:grpSpPr>
+      <p:sp>
+        <p:nvSpPr>
           <p:cNvPr id="2" name="Title 1">
             <a:extLst>
               <a:ext uri="{FF2B5EF4-FFF2-40B4-BE49-F238E27FC236}">
@@ -7300,13 +8039,13 @@
         <p:spPr/>
         <p:txBody>
           <a:bodyPr>
-            <a:normAutofit fontScale="92500" lnSpcReduction="20000"/>
+            <a:normAutofit lnSpcReduction="10000"/>
           </a:bodyPr>
           <a:lstStyle/>
           <a:p>
             <a:r>
               <a:rPr lang="en-US" dirty="0"/>
-              <a:t>SEA – LV</a:t>
+              <a:t>SEA – LV (LV – SEA)</a:t>
             </a:r>
           </a:p>
           <a:p>
@@ -7368,21 +8107,271 @@
               <a:t>1:10, 1:20</a:t>
             </a:r>
           </a:p>
+        </p:txBody>
+      </p:sp>
+      <p:sp>
+        <p:nvSpPr>
+          <p:cNvPr id="5" name="Content Placeholder 23">
+            <a:extLst>
+              <a:ext uri="{FF2B5EF4-FFF2-40B4-BE49-F238E27FC236}">
+                <a16:creationId xmlns:a16="http://schemas.microsoft.com/office/drawing/2014/main" id="{10651A67-5CD0-42C8-96DD-C3FE1AB094D1}"/>
+              </a:ext>
+            </a:extLst>
+          </p:cNvPr>
+          <p:cNvSpPr txBox="1">
+            <a:spLocks/>
+          </p:cNvSpPr>
+          <p:nvPr/>
+        </p:nvSpPr>
+        <p:spPr>
+          <a:xfrm>
+            <a:off x="5040262" y="2252662"/>
+            <a:ext cx="4220028" cy="4351338"/>
+          </a:xfrm>
+          <a:prstGeom prst="rect">
+            <a:avLst/>
+          </a:prstGeom>
+        </p:spPr>
+        <p:txBody>
+          <a:bodyPr/>
+          <a:lstStyle>
+            <a:lvl1pPr marL="228600" indent="-228600" algn="l" defTabSz="914400" rtl="0" eaLnBrk="1" latinLnBrk="0" hangingPunct="1">
+              <a:lnSpc>
+                <a:spcPct val="90000"/>
+              </a:lnSpc>
+              <a:spcBef>
+                <a:spcPts val="1000"/>
+              </a:spcBef>
+              <a:buFont typeface="Arial" panose="020B0604020202020204" pitchFamily="34" charset="0"/>
+              <a:buChar char="•"/>
+              <a:defRPr sz="2800" kern="1200">
+                <a:solidFill>
+                  <a:schemeClr val="tx1"/>
+                </a:solidFill>
+                <a:latin typeface="+mn-lt"/>
+                <a:ea typeface="+mn-ea"/>
+                <a:cs typeface="+mn-cs"/>
+              </a:defRPr>
+            </a:lvl1pPr>
+            <a:lvl2pPr marL="685800" indent="-228600" algn="l" defTabSz="914400" rtl="0" eaLnBrk="1" latinLnBrk="0" hangingPunct="1">
+              <a:lnSpc>
+                <a:spcPct val="90000"/>
+              </a:lnSpc>
+              <a:spcBef>
+                <a:spcPts val="500"/>
+              </a:spcBef>
+              <a:buFont typeface="Arial" panose="020B0604020202020204" pitchFamily="34" charset="0"/>
+              <a:buChar char="•"/>
+              <a:defRPr sz="2400" kern="1200">
+                <a:solidFill>
+                  <a:schemeClr val="tx1"/>
+                </a:solidFill>
+                <a:latin typeface="+mn-lt"/>
+                <a:ea typeface="+mn-ea"/>
+                <a:cs typeface="+mn-cs"/>
+              </a:defRPr>
+            </a:lvl2pPr>
+            <a:lvl3pPr marL="1143000" indent="-228600" algn="l" defTabSz="914400" rtl="0" eaLnBrk="1" latinLnBrk="0" hangingPunct="1">
+              <a:lnSpc>
+                <a:spcPct val="90000"/>
+              </a:lnSpc>
+              <a:spcBef>
+                <a:spcPts val="500"/>
+              </a:spcBef>
+              <a:buFont typeface="Arial" panose="020B0604020202020204" pitchFamily="34" charset="0"/>
+              <a:buChar char="•"/>
+              <a:defRPr sz="2000" kern="1200">
+                <a:solidFill>
+                  <a:schemeClr val="tx1"/>
+                </a:solidFill>
+                <a:latin typeface="+mn-lt"/>
+                <a:ea typeface="+mn-ea"/>
+                <a:cs typeface="+mn-cs"/>
+              </a:defRPr>
+            </a:lvl3pPr>
+            <a:lvl4pPr marL="1600200" indent="-228600" algn="l" defTabSz="914400" rtl="0" eaLnBrk="1" latinLnBrk="0" hangingPunct="1">
+              <a:lnSpc>
+                <a:spcPct val="90000"/>
+              </a:lnSpc>
+              <a:spcBef>
+                <a:spcPts val="500"/>
+              </a:spcBef>
+              <a:buFont typeface="Arial" panose="020B0604020202020204" pitchFamily="34" charset="0"/>
+              <a:buChar char="•"/>
+              <a:defRPr sz="1800" kern="1200">
+                <a:solidFill>
+                  <a:schemeClr val="tx1"/>
+                </a:solidFill>
+                <a:latin typeface="+mn-lt"/>
+                <a:ea typeface="+mn-ea"/>
+                <a:cs typeface="+mn-cs"/>
+              </a:defRPr>
+            </a:lvl4pPr>
+            <a:lvl5pPr marL="2057400" indent="-228600" algn="l" defTabSz="914400" rtl="0" eaLnBrk="1" latinLnBrk="0" hangingPunct="1">
+              <a:lnSpc>
+                <a:spcPct val="90000"/>
+              </a:lnSpc>
+              <a:spcBef>
+                <a:spcPts val="500"/>
+              </a:spcBef>
+              <a:buFont typeface="Arial" panose="020B0604020202020204" pitchFamily="34" charset="0"/>
+              <a:buChar char="•"/>
+              <a:defRPr sz="1800" kern="1200">
+                <a:solidFill>
+                  <a:schemeClr val="tx1"/>
+                </a:solidFill>
+                <a:latin typeface="+mn-lt"/>
+                <a:ea typeface="+mn-ea"/>
+                <a:cs typeface="+mn-cs"/>
+              </a:defRPr>
+            </a:lvl5pPr>
+            <a:lvl6pPr marL="2514600" indent="-228600" algn="l" defTabSz="914400" rtl="0" eaLnBrk="1" latinLnBrk="0" hangingPunct="1">
+              <a:lnSpc>
+                <a:spcPct val="90000"/>
+              </a:lnSpc>
+              <a:spcBef>
+                <a:spcPts val="500"/>
+              </a:spcBef>
+              <a:buFont typeface="Arial" panose="020B0604020202020204" pitchFamily="34" charset="0"/>
+              <a:buChar char="•"/>
+              <a:defRPr sz="1800" kern="1200">
+                <a:solidFill>
+                  <a:schemeClr val="tx1"/>
+                </a:solidFill>
+                <a:latin typeface="+mn-lt"/>
+                <a:ea typeface="+mn-ea"/>
+                <a:cs typeface="+mn-cs"/>
+              </a:defRPr>
+            </a:lvl6pPr>
+            <a:lvl7pPr marL="2971800" indent="-228600" algn="l" defTabSz="914400" rtl="0" eaLnBrk="1" latinLnBrk="0" hangingPunct="1">
+              <a:lnSpc>
+                <a:spcPct val="90000"/>
+              </a:lnSpc>
+              <a:spcBef>
+                <a:spcPts val="500"/>
+              </a:spcBef>
+              <a:buFont typeface="Arial" panose="020B0604020202020204" pitchFamily="34" charset="0"/>
+              <a:buChar char="•"/>
+              <a:defRPr sz="1800" kern="1200">
+                <a:solidFill>
+                  <a:schemeClr val="tx1"/>
+                </a:solidFill>
+                <a:latin typeface="+mn-lt"/>
+                <a:ea typeface="+mn-ea"/>
+                <a:cs typeface="+mn-cs"/>
+              </a:defRPr>
+            </a:lvl7pPr>
+            <a:lvl8pPr marL="3429000" indent="-228600" algn="l" defTabSz="914400" rtl="0" eaLnBrk="1" latinLnBrk="0" hangingPunct="1">
+              <a:lnSpc>
+                <a:spcPct val="90000"/>
+              </a:lnSpc>
+              <a:spcBef>
+                <a:spcPts val="500"/>
+              </a:spcBef>
+              <a:buFont typeface="Arial" panose="020B0604020202020204" pitchFamily="34" charset="0"/>
+              <a:buChar char="•"/>
+              <a:defRPr sz="1800" kern="1200">
+                <a:solidFill>
+                  <a:schemeClr val="tx1"/>
+                </a:solidFill>
+                <a:latin typeface="+mn-lt"/>
+                <a:ea typeface="+mn-ea"/>
+                <a:cs typeface="+mn-cs"/>
+              </a:defRPr>
+            </a:lvl8pPr>
+            <a:lvl9pPr marL="3886200" indent="-228600" algn="l" defTabSz="914400" rtl="0" eaLnBrk="1" latinLnBrk="0" hangingPunct="1">
+              <a:lnSpc>
+                <a:spcPct val="90000"/>
+              </a:lnSpc>
+              <a:spcBef>
+                <a:spcPts val="500"/>
+              </a:spcBef>
+              <a:buFont typeface="Arial" panose="020B0604020202020204" pitchFamily="34" charset="0"/>
+              <a:buChar char="•"/>
+              <a:defRPr sz="1800" kern="1200">
+                <a:solidFill>
+                  <a:schemeClr val="tx1"/>
+                </a:solidFill>
+                <a:latin typeface="+mn-lt"/>
+                <a:ea typeface="+mn-ea"/>
+                <a:cs typeface="+mn-cs"/>
+              </a:defRPr>
+            </a:lvl9pPr>
+          </a:lstStyle>
           <a:p>
             <a:r>
               <a:rPr lang="en-US" dirty="0"/>
-              <a:t>Boise – LV</a:t>
-            </a:r>
-          </a:p>
-          <a:p>
-            <a:pPr lvl="1"/>
+              <a:t>Las Vegas = 1</a:t>
+            </a:r>
+          </a:p>
+          <a:p>
             <a:r>
               <a:rPr lang="en-US" dirty="0"/>
-              <a:t>1:40, 1:40</a:t>
-            </a:r>
-          </a:p>
-        </p:txBody>
-      </p:sp>
+              <a:t>SLC = 2</a:t>
+            </a:r>
+          </a:p>
+          <a:p>
+            <a:r>
+              <a:rPr lang="en-US" dirty="0"/>
+              <a:t>LA = 3</a:t>
+            </a:r>
+          </a:p>
+          <a:p>
+            <a:r>
+              <a:rPr lang="en-US" dirty="0"/>
+              <a:t>SF = 4</a:t>
+            </a:r>
+          </a:p>
+          <a:p>
+            <a:r>
+              <a:rPr lang="en-US" dirty="0"/>
+              <a:t>Reno = 5</a:t>
+            </a:r>
+          </a:p>
+          <a:p>
+            <a:r>
+              <a:rPr lang="en-US" dirty="0"/>
+              <a:t>Boise = 6</a:t>
+            </a:r>
+          </a:p>
+          <a:p>
+            <a:r>
+              <a:rPr lang="en-US" dirty="0"/>
+              <a:t>Seattle = 7</a:t>
+            </a:r>
+          </a:p>
+        </p:txBody>
+      </p:sp>
+      <p:pic>
+        <p:nvPicPr>
+          <p:cNvPr id="8" name="Picture 7">
+            <a:extLst>
+              <a:ext uri="{FF2B5EF4-FFF2-40B4-BE49-F238E27FC236}">
+                <a16:creationId xmlns:a16="http://schemas.microsoft.com/office/drawing/2014/main" id="{0D4FDBD3-E4B2-4FBF-8117-8E2E40850F7D}"/>
+              </a:ext>
+            </a:extLst>
+          </p:cNvPr>
+          <p:cNvPicPr>
+            <a:picLocks noChangeAspect="1"/>
+          </p:cNvPicPr>
+          <p:nvPr/>
+        </p:nvPicPr>
+        <p:blipFill>
+          <a:blip r:embed="rId2"/>
+          <a:stretch>
+            <a:fillRect/>
+          </a:stretch>
+        </p:blipFill>
+        <p:spPr>
+          <a:xfrm>
+            <a:off x="7590662" y="1690688"/>
+            <a:ext cx="3339255" cy="4134092"/>
+          </a:xfrm>
+          <a:prstGeom prst="rect">
+            <a:avLst/>
+          </a:prstGeom>
+        </p:spPr>
+      </p:pic>
     </p:spTree>
     <p:extLst>
       <p:ext uri="{BB962C8B-B14F-4D97-AF65-F5344CB8AC3E}">
